--- a/Paper/Life_Cycles.pptx
+++ b/Paper/Life_Cycles.pptx
@@ -104,6 +104,22 @@
       </a:defRPr>
     </a:lvl9pPr>
   </p:defaultTextStyle>
+  <p:extLst>
+    <p:ext uri="{EFAFB233-063F-42B5-8137-9DF3F51BA10A}">
+      <p15:sldGuideLst xmlns:p15="http://schemas.microsoft.com/office/powerpoint/2012/main">
+        <p15:guide id="1" orient="horz" pos="2160" userDrawn="1">
+          <p15:clr>
+            <a:srgbClr val="A4A3A4"/>
+          </p15:clr>
+        </p15:guide>
+        <p15:guide id="2" pos="3840" userDrawn="1">
+          <p15:clr>
+            <a:srgbClr val="A4A3A4"/>
+          </p15:clr>
+        </p15:guide>
+      </p15:sldGuideLst>
+    </p:ext>
+  </p:extLst>
 </p:presentation>
 </file>
 
@@ -129,7 +145,7 @@
           <p:cNvPr id="2" name="Titre 1">
             <a:extLst>
               <a:ext uri="{FF2B5EF4-FFF2-40B4-BE49-F238E27FC236}">
-                <a16:creationId xmlns:a16="http://schemas.microsoft.com/office/drawing/2014/main" id="{FB32405C-7F40-4109-B1F0-36C9C53E1248}"/>
+                <a16:creationId xmlns:a16="http://schemas.microsoft.com/office/drawing/2014/main" id="{B1DD3192-7A2D-4A39-87DB-9C9CBDB29BD2}"/>
               </a:ext>
             </a:extLst>
           </p:cNvPr>
@@ -167,7 +183,7 @@
           <p:cNvPr id="3" name="Sous-titre 2">
             <a:extLst>
               <a:ext uri="{FF2B5EF4-FFF2-40B4-BE49-F238E27FC236}">
-                <a16:creationId xmlns:a16="http://schemas.microsoft.com/office/drawing/2014/main" id="{68DB45AD-8FE5-47AB-83D2-FBAD6E763909}"/>
+                <a16:creationId xmlns:a16="http://schemas.microsoft.com/office/drawing/2014/main" id="{32813B49-C7EA-4D0C-A331-0E054D4D4835}"/>
               </a:ext>
             </a:extLst>
           </p:cNvPr>
@@ -238,7 +254,7 @@
           <p:cNvPr id="4" name="Espace réservé de la date 3">
             <a:extLst>
               <a:ext uri="{FF2B5EF4-FFF2-40B4-BE49-F238E27FC236}">
-                <a16:creationId xmlns:a16="http://schemas.microsoft.com/office/drawing/2014/main" id="{680A38F4-F0EC-406D-B79F-8B8AFABD8A27}"/>
+                <a16:creationId xmlns:a16="http://schemas.microsoft.com/office/drawing/2014/main" id="{A7EB0D73-844A-484F-99F8-A23D507E960E}"/>
               </a:ext>
             </a:extLst>
           </p:cNvPr>
@@ -254,9 +270,9 @@
           <a:bodyPr/>
           <a:lstStyle/>
           <a:p>
-            <a:fld id="{BB7ACC8B-F820-4628-B248-7E4316B8B483}" type="datetimeFigureOut">
+            <a:fld id="{3E16B8E9-2FBF-40D5-99D9-26D26633A60D}" type="datetimeFigureOut">
               <a:rPr lang="en-CA" smtClean="0"/>
-              <a:t>2021-08-08</a:t>
+              <a:t>2021-08-15</a:t>
             </a:fld>
             <a:endParaRPr lang="en-CA"/>
           </a:p>
@@ -267,7 +283,7 @@
           <p:cNvPr id="5" name="Espace réservé du pied de page 4">
             <a:extLst>
               <a:ext uri="{FF2B5EF4-FFF2-40B4-BE49-F238E27FC236}">
-                <a16:creationId xmlns:a16="http://schemas.microsoft.com/office/drawing/2014/main" id="{D3D74B71-C70E-4708-80BC-65E165AF92A2}"/>
+                <a16:creationId xmlns:a16="http://schemas.microsoft.com/office/drawing/2014/main" id="{F9650DC1-E442-4E63-A000-559FA75B8AFC}"/>
               </a:ext>
             </a:extLst>
           </p:cNvPr>
@@ -292,7 +308,7 @@
           <p:cNvPr id="6" name="Espace réservé du numéro de diapositive 5">
             <a:extLst>
               <a:ext uri="{FF2B5EF4-FFF2-40B4-BE49-F238E27FC236}">
-                <a16:creationId xmlns:a16="http://schemas.microsoft.com/office/drawing/2014/main" id="{BDE36963-ADD1-4F9F-9BC9-DA4D2B31F5F6}"/>
+                <a16:creationId xmlns:a16="http://schemas.microsoft.com/office/drawing/2014/main" id="{94B1B56F-2022-49A5-B7F1-16427DA98BD0}"/>
               </a:ext>
             </a:extLst>
           </p:cNvPr>
@@ -308,7 +324,7 @@
           <a:bodyPr/>
           <a:lstStyle/>
           <a:p>
-            <a:fld id="{F274F566-FABF-4198-ADFB-058089CCA0E9}" type="slidenum">
+            <a:fld id="{5165CFD2-C9C7-4A60-B7EC-E7408702BDB6}" type="slidenum">
               <a:rPr lang="en-CA" smtClean="0"/>
               <a:t>‹N°›</a:t>
             </a:fld>
@@ -319,7 +335,7 @@
     </p:spTree>
     <p:extLst>
       <p:ext uri="{BB962C8B-B14F-4D97-AF65-F5344CB8AC3E}">
-        <p14:creationId xmlns:p14="http://schemas.microsoft.com/office/powerpoint/2010/main" val="791635450"/>
+        <p14:creationId xmlns:p14="http://schemas.microsoft.com/office/powerpoint/2010/main" val="1510389418"/>
       </p:ext>
     </p:extLst>
   </p:cSld>
@@ -351,7 +367,7 @@
           <p:cNvPr id="2" name="Titre 1">
             <a:extLst>
               <a:ext uri="{FF2B5EF4-FFF2-40B4-BE49-F238E27FC236}">
-                <a16:creationId xmlns:a16="http://schemas.microsoft.com/office/drawing/2014/main" id="{F2CD7789-C0B0-4F17-B6DB-A3D65F9E7593}"/>
+                <a16:creationId xmlns:a16="http://schemas.microsoft.com/office/drawing/2014/main" id="{B24AE7BB-2627-4CB8-9FED-BF63B410CC46}"/>
               </a:ext>
             </a:extLst>
           </p:cNvPr>
@@ -380,7 +396,7 @@
           <p:cNvPr id="3" name="Espace réservé du texte vertical 2">
             <a:extLst>
               <a:ext uri="{FF2B5EF4-FFF2-40B4-BE49-F238E27FC236}">
-                <a16:creationId xmlns:a16="http://schemas.microsoft.com/office/drawing/2014/main" id="{FFEACF79-A2B9-4901-A901-61FCB0AAD754}"/>
+                <a16:creationId xmlns:a16="http://schemas.microsoft.com/office/drawing/2014/main" id="{FAE46FDD-3600-435D-ADC7-5D56BB8E2DF5}"/>
               </a:ext>
             </a:extLst>
           </p:cNvPr>
@@ -438,7 +454,7 @@
           <p:cNvPr id="4" name="Espace réservé de la date 3">
             <a:extLst>
               <a:ext uri="{FF2B5EF4-FFF2-40B4-BE49-F238E27FC236}">
-                <a16:creationId xmlns:a16="http://schemas.microsoft.com/office/drawing/2014/main" id="{7182594E-C7DD-45C0-A43A-B3CBC6E073B2}"/>
+                <a16:creationId xmlns:a16="http://schemas.microsoft.com/office/drawing/2014/main" id="{9A8D626D-BD09-4FB8-9A34-ABACBA74B49D}"/>
               </a:ext>
             </a:extLst>
           </p:cNvPr>
@@ -454,9 +470,9 @@
           <a:bodyPr/>
           <a:lstStyle/>
           <a:p>
-            <a:fld id="{BB7ACC8B-F820-4628-B248-7E4316B8B483}" type="datetimeFigureOut">
+            <a:fld id="{3E16B8E9-2FBF-40D5-99D9-26D26633A60D}" type="datetimeFigureOut">
               <a:rPr lang="en-CA" smtClean="0"/>
-              <a:t>2021-08-08</a:t>
+              <a:t>2021-08-15</a:t>
             </a:fld>
             <a:endParaRPr lang="en-CA"/>
           </a:p>
@@ -467,7 +483,7 @@
           <p:cNvPr id="5" name="Espace réservé du pied de page 4">
             <a:extLst>
               <a:ext uri="{FF2B5EF4-FFF2-40B4-BE49-F238E27FC236}">
-                <a16:creationId xmlns:a16="http://schemas.microsoft.com/office/drawing/2014/main" id="{BDA173F8-D7D2-4E0F-9EDA-09CA406C6386}"/>
+                <a16:creationId xmlns:a16="http://schemas.microsoft.com/office/drawing/2014/main" id="{177BC5F1-B41D-415E-8AC8-C55C7A2587EF}"/>
               </a:ext>
             </a:extLst>
           </p:cNvPr>
@@ -492,7 +508,7 @@
           <p:cNvPr id="6" name="Espace réservé du numéro de diapositive 5">
             <a:extLst>
               <a:ext uri="{FF2B5EF4-FFF2-40B4-BE49-F238E27FC236}">
-                <a16:creationId xmlns:a16="http://schemas.microsoft.com/office/drawing/2014/main" id="{23E5D3FE-35E9-47DD-A914-FAC350971D5E}"/>
+                <a16:creationId xmlns:a16="http://schemas.microsoft.com/office/drawing/2014/main" id="{3DA51384-7CF4-45F1-8C4E-B5B71FFD9063}"/>
               </a:ext>
             </a:extLst>
           </p:cNvPr>
@@ -508,7 +524,7 @@
           <a:bodyPr/>
           <a:lstStyle/>
           <a:p>
-            <a:fld id="{F274F566-FABF-4198-ADFB-058089CCA0E9}" type="slidenum">
+            <a:fld id="{5165CFD2-C9C7-4A60-B7EC-E7408702BDB6}" type="slidenum">
               <a:rPr lang="en-CA" smtClean="0"/>
               <a:t>‹N°›</a:t>
             </a:fld>
@@ -519,7 +535,7 @@
     </p:spTree>
     <p:extLst>
       <p:ext uri="{BB962C8B-B14F-4D97-AF65-F5344CB8AC3E}">
-        <p14:creationId xmlns:p14="http://schemas.microsoft.com/office/powerpoint/2010/main" val="993558955"/>
+        <p14:creationId xmlns:p14="http://schemas.microsoft.com/office/powerpoint/2010/main" val="585770747"/>
       </p:ext>
     </p:extLst>
   </p:cSld>
@@ -551,7 +567,7 @@
           <p:cNvPr id="2" name="Titre vertical 1">
             <a:extLst>
               <a:ext uri="{FF2B5EF4-FFF2-40B4-BE49-F238E27FC236}">
-                <a16:creationId xmlns:a16="http://schemas.microsoft.com/office/drawing/2014/main" id="{EDE7C774-D9AC-4937-80B0-26E02B324CA8}"/>
+                <a16:creationId xmlns:a16="http://schemas.microsoft.com/office/drawing/2014/main" id="{95477B72-001E-4E34-A0CA-CDC96D87A0BF}"/>
               </a:ext>
             </a:extLst>
           </p:cNvPr>
@@ -585,7 +601,7 @@
           <p:cNvPr id="3" name="Espace réservé du texte vertical 2">
             <a:extLst>
               <a:ext uri="{FF2B5EF4-FFF2-40B4-BE49-F238E27FC236}">
-                <a16:creationId xmlns:a16="http://schemas.microsoft.com/office/drawing/2014/main" id="{423B2220-A99C-45E7-98C8-25A53792AB05}"/>
+                <a16:creationId xmlns:a16="http://schemas.microsoft.com/office/drawing/2014/main" id="{A82A895F-5073-48A0-AB46-9DD2B22A1702}"/>
               </a:ext>
             </a:extLst>
           </p:cNvPr>
@@ -648,7 +664,7 @@
           <p:cNvPr id="4" name="Espace réservé de la date 3">
             <a:extLst>
               <a:ext uri="{FF2B5EF4-FFF2-40B4-BE49-F238E27FC236}">
-                <a16:creationId xmlns:a16="http://schemas.microsoft.com/office/drawing/2014/main" id="{250D9114-B66F-4856-9C20-D7F37D97A4F5}"/>
+                <a16:creationId xmlns:a16="http://schemas.microsoft.com/office/drawing/2014/main" id="{A46A7B55-7B80-498E-AEB0-DF0829F95375}"/>
               </a:ext>
             </a:extLst>
           </p:cNvPr>
@@ -664,9 +680,9 @@
           <a:bodyPr/>
           <a:lstStyle/>
           <a:p>
-            <a:fld id="{BB7ACC8B-F820-4628-B248-7E4316B8B483}" type="datetimeFigureOut">
+            <a:fld id="{3E16B8E9-2FBF-40D5-99D9-26D26633A60D}" type="datetimeFigureOut">
               <a:rPr lang="en-CA" smtClean="0"/>
-              <a:t>2021-08-08</a:t>
+              <a:t>2021-08-15</a:t>
             </a:fld>
             <a:endParaRPr lang="en-CA"/>
           </a:p>
@@ -677,7 +693,7 @@
           <p:cNvPr id="5" name="Espace réservé du pied de page 4">
             <a:extLst>
               <a:ext uri="{FF2B5EF4-FFF2-40B4-BE49-F238E27FC236}">
-                <a16:creationId xmlns:a16="http://schemas.microsoft.com/office/drawing/2014/main" id="{F0A1B3C8-F161-4002-8EA1-3B0C82B47179}"/>
+                <a16:creationId xmlns:a16="http://schemas.microsoft.com/office/drawing/2014/main" id="{45F70737-F039-4319-A31D-3B27BE8EA5D3}"/>
               </a:ext>
             </a:extLst>
           </p:cNvPr>
@@ -702,7 +718,7 @@
           <p:cNvPr id="6" name="Espace réservé du numéro de diapositive 5">
             <a:extLst>
               <a:ext uri="{FF2B5EF4-FFF2-40B4-BE49-F238E27FC236}">
-                <a16:creationId xmlns:a16="http://schemas.microsoft.com/office/drawing/2014/main" id="{0FED4CA3-6CDD-413B-8240-48CCF6FEAB79}"/>
+                <a16:creationId xmlns:a16="http://schemas.microsoft.com/office/drawing/2014/main" id="{07A82F21-7DB8-4CA4-A0A0-BFC89DDE7847}"/>
               </a:ext>
             </a:extLst>
           </p:cNvPr>
@@ -718,7 +734,7 @@
           <a:bodyPr/>
           <a:lstStyle/>
           <a:p>
-            <a:fld id="{F274F566-FABF-4198-ADFB-058089CCA0E9}" type="slidenum">
+            <a:fld id="{5165CFD2-C9C7-4A60-B7EC-E7408702BDB6}" type="slidenum">
               <a:rPr lang="en-CA" smtClean="0"/>
               <a:t>‹N°›</a:t>
             </a:fld>
@@ -729,7 +745,7 @@
     </p:spTree>
     <p:extLst>
       <p:ext uri="{BB962C8B-B14F-4D97-AF65-F5344CB8AC3E}">
-        <p14:creationId xmlns:p14="http://schemas.microsoft.com/office/powerpoint/2010/main" val="897404316"/>
+        <p14:creationId xmlns:p14="http://schemas.microsoft.com/office/powerpoint/2010/main" val="3194629474"/>
       </p:ext>
     </p:extLst>
   </p:cSld>
@@ -761,7 +777,7 @@
           <p:cNvPr id="2" name="Titre 1">
             <a:extLst>
               <a:ext uri="{FF2B5EF4-FFF2-40B4-BE49-F238E27FC236}">
-                <a16:creationId xmlns:a16="http://schemas.microsoft.com/office/drawing/2014/main" id="{056B97A5-6807-4792-B086-6BD29D954F71}"/>
+                <a16:creationId xmlns:a16="http://schemas.microsoft.com/office/drawing/2014/main" id="{14481712-F153-4C82-941F-485BCD47B5E8}"/>
               </a:ext>
             </a:extLst>
           </p:cNvPr>
@@ -790,7 +806,7 @@
           <p:cNvPr id="3" name="Espace réservé du contenu 2">
             <a:extLst>
               <a:ext uri="{FF2B5EF4-FFF2-40B4-BE49-F238E27FC236}">
-                <a16:creationId xmlns:a16="http://schemas.microsoft.com/office/drawing/2014/main" id="{9F004A5E-CD8F-4BBD-8957-04C946D73294}"/>
+                <a16:creationId xmlns:a16="http://schemas.microsoft.com/office/drawing/2014/main" id="{7261C769-DA66-4412-B6C2-F3F90038C105}"/>
               </a:ext>
             </a:extLst>
           </p:cNvPr>
@@ -848,7 +864,7 @@
           <p:cNvPr id="4" name="Espace réservé de la date 3">
             <a:extLst>
               <a:ext uri="{FF2B5EF4-FFF2-40B4-BE49-F238E27FC236}">
-                <a16:creationId xmlns:a16="http://schemas.microsoft.com/office/drawing/2014/main" id="{41BDC088-7486-4D9C-B2CE-F80A7BDABAC2}"/>
+                <a16:creationId xmlns:a16="http://schemas.microsoft.com/office/drawing/2014/main" id="{A05AA8C1-6942-4C80-BDC4-8411ED6C45F9}"/>
               </a:ext>
             </a:extLst>
           </p:cNvPr>
@@ -864,9 +880,9 @@
           <a:bodyPr/>
           <a:lstStyle/>
           <a:p>
-            <a:fld id="{BB7ACC8B-F820-4628-B248-7E4316B8B483}" type="datetimeFigureOut">
+            <a:fld id="{3E16B8E9-2FBF-40D5-99D9-26D26633A60D}" type="datetimeFigureOut">
               <a:rPr lang="en-CA" smtClean="0"/>
-              <a:t>2021-08-08</a:t>
+              <a:t>2021-08-15</a:t>
             </a:fld>
             <a:endParaRPr lang="en-CA"/>
           </a:p>
@@ -877,7 +893,7 @@
           <p:cNvPr id="5" name="Espace réservé du pied de page 4">
             <a:extLst>
               <a:ext uri="{FF2B5EF4-FFF2-40B4-BE49-F238E27FC236}">
-                <a16:creationId xmlns:a16="http://schemas.microsoft.com/office/drawing/2014/main" id="{BE76DB9F-683F-4FC4-9A89-371C93D62BA5}"/>
+                <a16:creationId xmlns:a16="http://schemas.microsoft.com/office/drawing/2014/main" id="{87735B9B-8AE5-436E-B0ED-74871A08283F}"/>
               </a:ext>
             </a:extLst>
           </p:cNvPr>
@@ -902,7 +918,7 @@
           <p:cNvPr id="6" name="Espace réservé du numéro de diapositive 5">
             <a:extLst>
               <a:ext uri="{FF2B5EF4-FFF2-40B4-BE49-F238E27FC236}">
-                <a16:creationId xmlns:a16="http://schemas.microsoft.com/office/drawing/2014/main" id="{DC280356-5C41-41DB-A19A-06D2346FFA5B}"/>
+                <a16:creationId xmlns:a16="http://schemas.microsoft.com/office/drawing/2014/main" id="{BD7866F2-0B30-418D-AA63-23CBDAA18C3B}"/>
               </a:ext>
             </a:extLst>
           </p:cNvPr>
@@ -918,7 +934,7 @@
           <a:bodyPr/>
           <a:lstStyle/>
           <a:p>
-            <a:fld id="{F274F566-FABF-4198-ADFB-058089CCA0E9}" type="slidenum">
+            <a:fld id="{5165CFD2-C9C7-4A60-B7EC-E7408702BDB6}" type="slidenum">
               <a:rPr lang="en-CA" smtClean="0"/>
               <a:t>‹N°›</a:t>
             </a:fld>
@@ -929,7 +945,7 @@
     </p:spTree>
     <p:extLst>
       <p:ext uri="{BB962C8B-B14F-4D97-AF65-F5344CB8AC3E}">
-        <p14:creationId xmlns:p14="http://schemas.microsoft.com/office/powerpoint/2010/main" val="1640484157"/>
+        <p14:creationId xmlns:p14="http://schemas.microsoft.com/office/powerpoint/2010/main" val="262349285"/>
       </p:ext>
     </p:extLst>
   </p:cSld>
@@ -961,7 +977,7 @@
           <p:cNvPr id="2" name="Titre 1">
             <a:extLst>
               <a:ext uri="{FF2B5EF4-FFF2-40B4-BE49-F238E27FC236}">
-                <a16:creationId xmlns:a16="http://schemas.microsoft.com/office/drawing/2014/main" id="{51412AA1-E0FC-443D-AF73-2333C1BABEAF}"/>
+                <a16:creationId xmlns:a16="http://schemas.microsoft.com/office/drawing/2014/main" id="{05E401DD-C9BF-4EA2-A9ED-FD18BBD1F966}"/>
               </a:ext>
             </a:extLst>
           </p:cNvPr>
@@ -999,7 +1015,7 @@
           <p:cNvPr id="3" name="Espace réservé du texte 2">
             <a:extLst>
               <a:ext uri="{FF2B5EF4-FFF2-40B4-BE49-F238E27FC236}">
-                <a16:creationId xmlns:a16="http://schemas.microsoft.com/office/drawing/2014/main" id="{4A4CD243-A195-43FF-82E2-7E7DCF53F3FA}"/>
+                <a16:creationId xmlns:a16="http://schemas.microsoft.com/office/drawing/2014/main" id="{79CBFEB3-D477-4E1F-BDCC-948264F680BA}"/>
               </a:ext>
             </a:extLst>
           </p:cNvPr>
@@ -1124,7 +1140,7 @@
           <p:cNvPr id="4" name="Espace réservé de la date 3">
             <a:extLst>
               <a:ext uri="{FF2B5EF4-FFF2-40B4-BE49-F238E27FC236}">
-                <a16:creationId xmlns:a16="http://schemas.microsoft.com/office/drawing/2014/main" id="{7E69B231-2E16-44E4-AC1B-F0C7E4226EEE}"/>
+                <a16:creationId xmlns:a16="http://schemas.microsoft.com/office/drawing/2014/main" id="{859CD540-F837-48FA-9453-37AD07AB9297}"/>
               </a:ext>
             </a:extLst>
           </p:cNvPr>
@@ -1140,9 +1156,9 @@
           <a:bodyPr/>
           <a:lstStyle/>
           <a:p>
-            <a:fld id="{BB7ACC8B-F820-4628-B248-7E4316B8B483}" type="datetimeFigureOut">
+            <a:fld id="{3E16B8E9-2FBF-40D5-99D9-26D26633A60D}" type="datetimeFigureOut">
               <a:rPr lang="en-CA" smtClean="0"/>
-              <a:t>2021-08-08</a:t>
+              <a:t>2021-08-15</a:t>
             </a:fld>
             <a:endParaRPr lang="en-CA"/>
           </a:p>
@@ -1153,7 +1169,7 @@
           <p:cNvPr id="5" name="Espace réservé du pied de page 4">
             <a:extLst>
               <a:ext uri="{FF2B5EF4-FFF2-40B4-BE49-F238E27FC236}">
-                <a16:creationId xmlns:a16="http://schemas.microsoft.com/office/drawing/2014/main" id="{EC350045-076E-46A2-AB6A-11430A3839B3}"/>
+                <a16:creationId xmlns:a16="http://schemas.microsoft.com/office/drawing/2014/main" id="{13AB2637-02CC-4355-A914-592356D0D501}"/>
               </a:ext>
             </a:extLst>
           </p:cNvPr>
@@ -1178,7 +1194,7 @@
           <p:cNvPr id="6" name="Espace réservé du numéro de diapositive 5">
             <a:extLst>
               <a:ext uri="{FF2B5EF4-FFF2-40B4-BE49-F238E27FC236}">
-                <a16:creationId xmlns:a16="http://schemas.microsoft.com/office/drawing/2014/main" id="{D4E39A54-339D-4447-9AE9-CCBE8F3A4E77}"/>
+                <a16:creationId xmlns:a16="http://schemas.microsoft.com/office/drawing/2014/main" id="{9AC6DAD8-A7A2-4E23-BE9C-13A6F67A151D}"/>
               </a:ext>
             </a:extLst>
           </p:cNvPr>
@@ -1194,7 +1210,7 @@
           <a:bodyPr/>
           <a:lstStyle/>
           <a:p>
-            <a:fld id="{F274F566-FABF-4198-ADFB-058089CCA0E9}" type="slidenum">
+            <a:fld id="{5165CFD2-C9C7-4A60-B7EC-E7408702BDB6}" type="slidenum">
               <a:rPr lang="en-CA" smtClean="0"/>
               <a:t>‹N°›</a:t>
             </a:fld>
@@ -1205,7 +1221,7 @@
     </p:spTree>
     <p:extLst>
       <p:ext uri="{BB962C8B-B14F-4D97-AF65-F5344CB8AC3E}">
-        <p14:creationId xmlns:p14="http://schemas.microsoft.com/office/powerpoint/2010/main" val="13300439"/>
+        <p14:creationId xmlns:p14="http://schemas.microsoft.com/office/powerpoint/2010/main" val="150614152"/>
       </p:ext>
     </p:extLst>
   </p:cSld>
@@ -1237,7 +1253,7 @@
           <p:cNvPr id="2" name="Titre 1">
             <a:extLst>
               <a:ext uri="{FF2B5EF4-FFF2-40B4-BE49-F238E27FC236}">
-                <a16:creationId xmlns:a16="http://schemas.microsoft.com/office/drawing/2014/main" id="{9B920177-3BCC-475D-8062-33F7D375AC68}"/>
+                <a16:creationId xmlns:a16="http://schemas.microsoft.com/office/drawing/2014/main" id="{CAEABB0B-F870-41A0-8DF5-F8B49DF3A2EA}"/>
               </a:ext>
             </a:extLst>
           </p:cNvPr>
@@ -1266,7 +1282,7 @@
           <p:cNvPr id="3" name="Espace réservé du contenu 2">
             <a:extLst>
               <a:ext uri="{FF2B5EF4-FFF2-40B4-BE49-F238E27FC236}">
-                <a16:creationId xmlns:a16="http://schemas.microsoft.com/office/drawing/2014/main" id="{B0A0639A-50BF-4A29-93BB-17FCB76689A9}"/>
+                <a16:creationId xmlns:a16="http://schemas.microsoft.com/office/drawing/2014/main" id="{A77EF4AC-3B1C-4F6F-BAAE-3DDAE989C3A6}"/>
               </a:ext>
             </a:extLst>
           </p:cNvPr>
@@ -1329,7 +1345,7 @@
           <p:cNvPr id="4" name="Espace réservé du contenu 3">
             <a:extLst>
               <a:ext uri="{FF2B5EF4-FFF2-40B4-BE49-F238E27FC236}">
-                <a16:creationId xmlns:a16="http://schemas.microsoft.com/office/drawing/2014/main" id="{6C03C2C8-0A42-48B4-B1E8-747899DA2BFD}"/>
+                <a16:creationId xmlns:a16="http://schemas.microsoft.com/office/drawing/2014/main" id="{718B89F4-B290-4493-A754-EFB76F41BCB3}"/>
               </a:ext>
             </a:extLst>
           </p:cNvPr>
@@ -1392,7 +1408,7 @@
           <p:cNvPr id="5" name="Espace réservé de la date 4">
             <a:extLst>
               <a:ext uri="{FF2B5EF4-FFF2-40B4-BE49-F238E27FC236}">
-                <a16:creationId xmlns:a16="http://schemas.microsoft.com/office/drawing/2014/main" id="{7A3096A6-E7DC-4346-B7DB-16196903795B}"/>
+                <a16:creationId xmlns:a16="http://schemas.microsoft.com/office/drawing/2014/main" id="{4888F3AB-E48C-4440-AC18-7BE98E587E63}"/>
               </a:ext>
             </a:extLst>
           </p:cNvPr>
@@ -1408,9 +1424,9 @@
           <a:bodyPr/>
           <a:lstStyle/>
           <a:p>
-            <a:fld id="{BB7ACC8B-F820-4628-B248-7E4316B8B483}" type="datetimeFigureOut">
+            <a:fld id="{3E16B8E9-2FBF-40D5-99D9-26D26633A60D}" type="datetimeFigureOut">
               <a:rPr lang="en-CA" smtClean="0"/>
-              <a:t>2021-08-08</a:t>
+              <a:t>2021-08-15</a:t>
             </a:fld>
             <a:endParaRPr lang="en-CA"/>
           </a:p>
@@ -1421,7 +1437,7 @@
           <p:cNvPr id="6" name="Espace réservé du pied de page 5">
             <a:extLst>
               <a:ext uri="{FF2B5EF4-FFF2-40B4-BE49-F238E27FC236}">
-                <a16:creationId xmlns:a16="http://schemas.microsoft.com/office/drawing/2014/main" id="{CD1B5124-BD13-4191-89FA-D2D3F0DCA4D2}"/>
+                <a16:creationId xmlns:a16="http://schemas.microsoft.com/office/drawing/2014/main" id="{A3ECD732-2374-4B37-B1F2-8B4E4D9E8833}"/>
               </a:ext>
             </a:extLst>
           </p:cNvPr>
@@ -1446,7 +1462,7 @@
           <p:cNvPr id="7" name="Espace réservé du numéro de diapositive 6">
             <a:extLst>
               <a:ext uri="{FF2B5EF4-FFF2-40B4-BE49-F238E27FC236}">
-                <a16:creationId xmlns:a16="http://schemas.microsoft.com/office/drawing/2014/main" id="{3575548B-2DD5-4DD6-AE9B-3FFDD02FC092}"/>
+                <a16:creationId xmlns:a16="http://schemas.microsoft.com/office/drawing/2014/main" id="{526C75D6-B9F9-42F5-8CA4-B64176EC1CD0}"/>
               </a:ext>
             </a:extLst>
           </p:cNvPr>
@@ -1462,7 +1478,7 @@
           <a:bodyPr/>
           <a:lstStyle/>
           <a:p>
-            <a:fld id="{F274F566-FABF-4198-ADFB-058089CCA0E9}" type="slidenum">
+            <a:fld id="{5165CFD2-C9C7-4A60-B7EC-E7408702BDB6}" type="slidenum">
               <a:rPr lang="en-CA" smtClean="0"/>
               <a:t>‹N°›</a:t>
             </a:fld>
@@ -1473,7 +1489,7 @@
     </p:spTree>
     <p:extLst>
       <p:ext uri="{BB962C8B-B14F-4D97-AF65-F5344CB8AC3E}">
-        <p14:creationId xmlns:p14="http://schemas.microsoft.com/office/powerpoint/2010/main" val="1193461047"/>
+        <p14:creationId xmlns:p14="http://schemas.microsoft.com/office/powerpoint/2010/main" val="610067972"/>
       </p:ext>
     </p:extLst>
   </p:cSld>
@@ -1505,7 +1521,7 @@
           <p:cNvPr id="2" name="Titre 1">
             <a:extLst>
               <a:ext uri="{FF2B5EF4-FFF2-40B4-BE49-F238E27FC236}">
-                <a16:creationId xmlns:a16="http://schemas.microsoft.com/office/drawing/2014/main" id="{19BA0C66-6283-4114-803B-C6AE2FE7D1E5}"/>
+                <a16:creationId xmlns:a16="http://schemas.microsoft.com/office/drawing/2014/main" id="{A13017A4-69CF-41E7-A8BC-6EEA6B2F1176}"/>
               </a:ext>
             </a:extLst>
           </p:cNvPr>
@@ -1539,7 +1555,7 @@
           <p:cNvPr id="3" name="Espace réservé du texte 2">
             <a:extLst>
               <a:ext uri="{FF2B5EF4-FFF2-40B4-BE49-F238E27FC236}">
-                <a16:creationId xmlns:a16="http://schemas.microsoft.com/office/drawing/2014/main" id="{B2E82CFE-CA7C-43C0-980F-12570EB577EE}"/>
+                <a16:creationId xmlns:a16="http://schemas.microsoft.com/office/drawing/2014/main" id="{FD463D91-E4A4-4E16-A43B-31986C8DE5E8}"/>
               </a:ext>
             </a:extLst>
           </p:cNvPr>
@@ -1610,7 +1626,7 @@
           <p:cNvPr id="4" name="Espace réservé du contenu 3">
             <a:extLst>
               <a:ext uri="{FF2B5EF4-FFF2-40B4-BE49-F238E27FC236}">
-                <a16:creationId xmlns:a16="http://schemas.microsoft.com/office/drawing/2014/main" id="{B772CBD8-6CE6-4DB9-BFEE-B6D13E363210}"/>
+                <a16:creationId xmlns:a16="http://schemas.microsoft.com/office/drawing/2014/main" id="{EBF6814F-5928-454D-A99D-CE19CD2317D1}"/>
               </a:ext>
             </a:extLst>
           </p:cNvPr>
@@ -1673,7 +1689,7 @@
           <p:cNvPr id="5" name="Espace réservé du texte 4">
             <a:extLst>
               <a:ext uri="{FF2B5EF4-FFF2-40B4-BE49-F238E27FC236}">
-                <a16:creationId xmlns:a16="http://schemas.microsoft.com/office/drawing/2014/main" id="{28D63C95-2815-4790-A5E4-95A0FB3276B6}"/>
+                <a16:creationId xmlns:a16="http://schemas.microsoft.com/office/drawing/2014/main" id="{7119E029-8C48-4B83-8023-CE8C19FB3231}"/>
               </a:ext>
             </a:extLst>
           </p:cNvPr>
@@ -1744,7 +1760,7 @@
           <p:cNvPr id="6" name="Espace réservé du contenu 5">
             <a:extLst>
               <a:ext uri="{FF2B5EF4-FFF2-40B4-BE49-F238E27FC236}">
-                <a16:creationId xmlns:a16="http://schemas.microsoft.com/office/drawing/2014/main" id="{7C9D5E3D-C344-4F48-BCF5-1BB6F6EF8655}"/>
+                <a16:creationId xmlns:a16="http://schemas.microsoft.com/office/drawing/2014/main" id="{847A0383-3667-42C4-B267-0B6962E7B6DC}"/>
               </a:ext>
             </a:extLst>
           </p:cNvPr>
@@ -1807,7 +1823,7 @@
           <p:cNvPr id="7" name="Espace réservé de la date 6">
             <a:extLst>
               <a:ext uri="{FF2B5EF4-FFF2-40B4-BE49-F238E27FC236}">
-                <a16:creationId xmlns:a16="http://schemas.microsoft.com/office/drawing/2014/main" id="{DC54B4CA-5975-433A-8D53-5F042F379122}"/>
+                <a16:creationId xmlns:a16="http://schemas.microsoft.com/office/drawing/2014/main" id="{220D8CFF-95F6-4BE9-A04A-9C58BAAAED4C}"/>
               </a:ext>
             </a:extLst>
           </p:cNvPr>
@@ -1823,9 +1839,9 @@
           <a:bodyPr/>
           <a:lstStyle/>
           <a:p>
-            <a:fld id="{BB7ACC8B-F820-4628-B248-7E4316B8B483}" type="datetimeFigureOut">
+            <a:fld id="{3E16B8E9-2FBF-40D5-99D9-26D26633A60D}" type="datetimeFigureOut">
               <a:rPr lang="en-CA" smtClean="0"/>
-              <a:t>2021-08-08</a:t>
+              <a:t>2021-08-15</a:t>
             </a:fld>
             <a:endParaRPr lang="en-CA"/>
           </a:p>
@@ -1836,7 +1852,7 @@
           <p:cNvPr id="8" name="Espace réservé du pied de page 7">
             <a:extLst>
               <a:ext uri="{FF2B5EF4-FFF2-40B4-BE49-F238E27FC236}">
-                <a16:creationId xmlns:a16="http://schemas.microsoft.com/office/drawing/2014/main" id="{BF7DC1D5-A17C-436C-80DF-3378867B1DEB}"/>
+                <a16:creationId xmlns:a16="http://schemas.microsoft.com/office/drawing/2014/main" id="{70133E59-22D3-4AE1-ABB3-EFB2395C5747}"/>
               </a:ext>
             </a:extLst>
           </p:cNvPr>
@@ -1861,7 +1877,7 @@
           <p:cNvPr id="9" name="Espace réservé du numéro de diapositive 8">
             <a:extLst>
               <a:ext uri="{FF2B5EF4-FFF2-40B4-BE49-F238E27FC236}">
-                <a16:creationId xmlns:a16="http://schemas.microsoft.com/office/drawing/2014/main" id="{3BD764EE-94DF-419B-B58C-4E32B5C36CA3}"/>
+                <a16:creationId xmlns:a16="http://schemas.microsoft.com/office/drawing/2014/main" id="{4A93D32F-F8E3-4B49-9176-C59DA3F6FA7C}"/>
               </a:ext>
             </a:extLst>
           </p:cNvPr>
@@ -1877,7 +1893,7 @@
           <a:bodyPr/>
           <a:lstStyle/>
           <a:p>
-            <a:fld id="{F274F566-FABF-4198-ADFB-058089CCA0E9}" type="slidenum">
+            <a:fld id="{5165CFD2-C9C7-4A60-B7EC-E7408702BDB6}" type="slidenum">
               <a:rPr lang="en-CA" smtClean="0"/>
               <a:t>‹N°›</a:t>
             </a:fld>
@@ -1888,7 +1904,7 @@
     </p:spTree>
     <p:extLst>
       <p:ext uri="{BB962C8B-B14F-4D97-AF65-F5344CB8AC3E}">
-        <p14:creationId xmlns:p14="http://schemas.microsoft.com/office/powerpoint/2010/main" val="3322030063"/>
+        <p14:creationId xmlns:p14="http://schemas.microsoft.com/office/powerpoint/2010/main" val="2187557947"/>
       </p:ext>
     </p:extLst>
   </p:cSld>
@@ -1920,7 +1936,7 @@
           <p:cNvPr id="2" name="Titre 1">
             <a:extLst>
               <a:ext uri="{FF2B5EF4-FFF2-40B4-BE49-F238E27FC236}">
-                <a16:creationId xmlns:a16="http://schemas.microsoft.com/office/drawing/2014/main" id="{E6F605D2-3A12-4247-9392-2218085C8FA8}"/>
+                <a16:creationId xmlns:a16="http://schemas.microsoft.com/office/drawing/2014/main" id="{A22A0CF3-25EE-4C10-94B0-33EB748D041D}"/>
               </a:ext>
             </a:extLst>
           </p:cNvPr>
@@ -1949,7 +1965,7 @@
           <p:cNvPr id="3" name="Espace réservé de la date 2">
             <a:extLst>
               <a:ext uri="{FF2B5EF4-FFF2-40B4-BE49-F238E27FC236}">
-                <a16:creationId xmlns:a16="http://schemas.microsoft.com/office/drawing/2014/main" id="{32804CC6-1B2F-48A6-9050-E1C7F5CF7146}"/>
+                <a16:creationId xmlns:a16="http://schemas.microsoft.com/office/drawing/2014/main" id="{836ABAAB-66E1-4E8C-8C5A-94DBE9FD4F7F}"/>
               </a:ext>
             </a:extLst>
           </p:cNvPr>
@@ -1965,9 +1981,9 @@
           <a:bodyPr/>
           <a:lstStyle/>
           <a:p>
-            <a:fld id="{BB7ACC8B-F820-4628-B248-7E4316B8B483}" type="datetimeFigureOut">
+            <a:fld id="{3E16B8E9-2FBF-40D5-99D9-26D26633A60D}" type="datetimeFigureOut">
               <a:rPr lang="en-CA" smtClean="0"/>
-              <a:t>2021-08-08</a:t>
+              <a:t>2021-08-15</a:t>
             </a:fld>
             <a:endParaRPr lang="en-CA"/>
           </a:p>
@@ -1978,7 +1994,7 @@
           <p:cNvPr id="4" name="Espace réservé du pied de page 3">
             <a:extLst>
               <a:ext uri="{FF2B5EF4-FFF2-40B4-BE49-F238E27FC236}">
-                <a16:creationId xmlns:a16="http://schemas.microsoft.com/office/drawing/2014/main" id="{14E182B2-CD6B-4ED7-AA0C-E14454D8E29C}"/>
+                <a16:creationId xmlns:a16="http://schemas.microsoft.com/office/drawing/2014/main" id="{8D79DBB5-ED19-44CC-BF43-53F220E3D2B7}"/>
               </a:ext>
             </a:extLst>
           </p:cNvPr>
@@ -2003,7 +2019,7 @@
           <p:cNvPr id="5" name="Espace réservé du numéro de diapositive 4">
             <a:extLst>
               <a:ext uri="{FF2B5EF4-FFF2-40B4-BE49-F238E27FC236}">
-                <a16:creationId xmlns:a16="http://schemas.microsoft.com/office/drawing/2014/main" id="{9C8FB105-F592-4D01-8879-F6F6D5F2B5D5}"/>
+                <a16:creationId xmlns:a16="http://schemas.microsoft.com/office/drawing/2014/main" id="{75376A0E-CA02-41C7-991C-5A22EBFB652F}"/>
               </a:ext>
             </a:extLst>
           </p:cNvPr>
@@ -2019,7 +2035,7 @@
           <a:bodyPr/>
           <a:lstStyle/>
           <a:p>
-            <a:fld id="{F274F566-FABF-4198-ADFB-058089CCA0E9}" type="slidenum">
+            <a:fld id="{5165CFD2-C9C7-4A60-B7EC-E7408702BDB6}" type="slidenum">
               <a:rPr lang="en-CA" smtClean="0"/>
               <a:t>‹N°›</a:t>
             </a:fld>
@@ -2030,7 +2046,7 @@
     </p:spTree>
     <p:extLst>
       <p:ext uri="{BB962C8B-B14F-4D97-AF65-F5344CB8AC3E}">
-        <p14:creationId xmlns:p14="http://schemas.microsoft.com/office/powerpoint/2010/main" val="340059296"/>
+        <p14:creationId xmlns:p14="http://schemas.microsoft.com/office/powerpoint/2010/main" val="522343425"/>
       </p:ext>
     </p:extLst>
   </p:cSld>
@@ -2062,7 +2078,7 @@
           <p:cNvPr id="2" name="Espace réservé de la date 1">
             <a:extLst>
               <a:ext uri="{FF2B5EF4-FFF2-40B4-BE49-F238E27FC236}">
-                <a16:creationId xmlns:a16="http://schemas.microsoft.com/office/drawing/2014/main" id="{DD47A16F-D827-41C6-8DE1-D69BE3E95013}"/>
+                <a16:creationId xmlns:a16="http://schemas.microsoft.com/office/drawing/2014/main" id="{02C37A01-FEBD-47FC-BFFA-96532408BDD7}"/>
               </a:ext>
             </a:extLst>
           </p:cNvPr>
@@ -2078,9 +2094,9 @@
           <a:bodyPr/>
           <a:lstStyle/>
           <a:p>
-            <a:fld id="{BB7ACC8B-F820-4628-B248-7E4316B8B483}" type="datetimeFigureOut">
+            <a:fld id="{3E16B8E9-2FBF-40D5-99D9-26D26633A60D}" type="datetimeFigureOut">
               <a:rPr lang="en-CA" smtClean="0"/>
-              <a:t>2021-08-08</a:t>
+              <a:t>2021-08-15</a:t>
             </a:fld>
             <a:endParaRPr lang="en-CA"/>
           </a:p>
@@ -2091,7 +2107,7 @@
           <p:cNvPr id="3" name="Espace réservé du pied de page 2">
             <a:extLst>
               <a:ext uri="{FF2B5EF4-FFF2-40B4-BE49-F238E27FC236}">
-                <a16:creationId xmlns:a16="http://schemas.microsoft.com/office/drawing/2014/main" id="{A6A77598-0F2D-47EB-B7A4-B5288774DF96}"/>
+                <a16:creationId xmlns:a16="http://schemas.microsoft.com/office/drawing/2014/main" id="{7AA2887D-3F64-4AC2-9A50-89EFF5FA1281}"/>
               </a:ext>
             </a:extLst>
           </p:cNvPr>
@@ -2116,7 +2132,7 @@
           <p:cNvPr id="4" name="Espace réservé du numéro de diapositive 3">
             <a:extLst>
               <a:ext uri="{FF2B5EF4-FFF2-40B4-BE49-F238E27FC236}">
-                <a16:creationId xmlns:a16="http://schemas.microsoft.com/office/drawing/2014/main" id="{BA87A855-E662-4F64-95BF-8B58AEE4C5FF}"/>
+                <a16:creationId xmlns:a16="http://schemas.microsoft.com/office/drawing/2014/main" id="{E29359CB-1D50-4D41-BFDF-1845F81AFC6C}"/>
               </a:ext>
             </a:extLst>
           </p:cNvPr>
@@ -2132,7 +2148,7 @@
           <a:bodyPr/>
           <a:lstStyle/>
           <a:p>
-            <a:fld id="{F274F566-FABF-4198-ADFB-058089CCA0E9}" type="slidenum">
+            <a:fld id="{5165CFD2-C9C7-4A60-B7EC-E7408702BDB6}" type="slidenum">
               <a:rPr lang="en-CA" smtClean="0"/>
               <a:t>‹N°›</a:t>
             </a:fld>
@@ -2143,7 +2159,7 @@
     </p:spTree>
     <p:extLst>
       <p:ext uri="{BB962C8B-B14F-4D97-AF65-F5344CB8AC3E}">
-        <p14:creationId xmlns:p14="http://schemas.microsoft.com/office/powerpoint/2010/main" val="1409602400"/>
+        <p14:creationId xmlns:p14="http://schemas.microsoft.com/office/powerpoint/2010/main" val="2427661463"/>
       </p:ext>
     </p:extLst>
   </p:cSld>
@@ -2175,7 +2191,7 @@
           <p:cNvPr id="2" name="Titre 1">
             <a:extLst>
               <a:ext uri="{FF2B5EF4-FFF2-40B4-BE49-F238E27FC236}">
-                <a16:creationId xmlns:a16="http://schemas.microsoft.com/office/drawing/2014/main" id="{2F60CBA8-987B-4B4F-82BB-C982648C638C}"/>
+                <a16:creationId xmlns:a16="http://schemas.microsoft.com/office/drawing/2014/main" id="{D3B3190C-2638-4E5C-9DAB-2DCECFB32E5C}"/>
               </a:ext>
             </a:extLst>
           </p:cNvPr>
@@ -2213,7 +2229,7 @@
           <p:cNvPr id="3" name="Espace réservé du contenu 2">
             <a:extLst>
               <a:ext uri="{FF2B5EF4-FFF2-40B4-BE49-F238E27FC236}">
-                <a16:creationId xmlns:a16="http://schemas.microsoft.com/office/drawing/2014/main" id="{6D2A6AFC-5169-4BCA-84DF-CE8EB19D23D8}"/>
+                <a16:creationId xmlns:a16="http://schemas.microsoft.com/office/drawing/2014/main" id="{272090D1-3A41-49F8-9D8E-68E686B512F8}"/>
               </a:ext>
             </a:extLst>
           </p:cNvPr>
@@ -2304,7 +2320,7 @@
           <p:cNvPr id="4" name="Espace réservé du texte 3">
             <a:extLst>
               <a:ext uri="{FF2B5EF4-FFF2-40B4-BE49-F238E27FC236}">
-                <a16:creationId xmlns:a16="http://schemas.microsoft.com/office/drawing/2014/main" id="{A4A46D76-CF61-4015-BAC4-552C862B04C6}"/>
+                <a16:creationId xmlns:a16="http://schemas.microsoft.com/office/drawing/2014/main" id="{9F761AB2-2382-4D5D-905D-C093D75BFBE8}"/>
               </a:ext>
             </a:extLst>
           </p:cNvPr>
@@ -2375,7 +2391,7 @@
           <p:cNvPr id="5" name="Espace réservé de la date 4">
             <a:extLst>
               <a:ext uri="{FF2B5EF4-FFF2-40B4-BE49-F238E27FC236}">
-                <a16:creationId xmlns:a16="http://schemas.microsoft.com/office/drawing/2014/main" id="{D596C256-520C-445C-8F34-50395A272262}"/>
+                <a16:creationId xmlns:a16="http://schemas.microsoft.com/office/drawing/2014/main" id="{A8FCEC7A-690B-4984-8B26-5D0BF7F89F99}"/>
               </a:ext>
             </a:extLst>
           </p:cNvPr>
@@ -2391,9 +2407,9 @@
           <a:bodyPr/>
           <a:lstStyle/>
           <a:p>
-            <a:fld id="{BB7ACC8B-F820-4628-B248-7E4316B8B483}" type="datetimeFigureOut">
+            <a:fld id="{3E16B8E9-2FBF-40D5-99D9-26D26633A60D}" type="datetimeFigureOut">
               <a:rPr lang="en-CA" smtClean="0"/>
-              <a:t>2021-08-08</a:t>
+              <a:t>2021-08-15</a:t>
             </a:fld>
             <a:endParaRPr lang="en-CA"/>
           </a:p>
@@ -2404,7 +2420,7 @@
           <p:cNvPr id="6" name="Espace réservé du pied de page 5">
             <a:extLst>
               <a:ext uri="{FF2B5EF4-FFF2-40B4-BE49-F238E27FC236}">
-                <a16:creationId xmlns:a16="http://schemas.microsoft.com/office/drawing/2014/main" id="{7FA6629C-9977-4299-9E82-2F6AC4E2095E}"/>
+                <a16:creationId xmlns:a16="http://schemas.microsoft.com/office/drawing/2014/main" id="{8BD28F42-8E87-424E-893B-0BD314C827AF}"/>
               </a:ext>
             </a:extLst>
           </p:cNvPr>
@@ -2429,7 +2445,7 @@
           <p:cNvPr id="7" name="Espace réservé du numéro de diapositive 6">
             <a:extLst>
               <a:ext uri="{FF2B5EF4-FFF2-40B4-BE49-F238E27FC236}">
-                <a16:creationId xmlns:a16="http://schemas.microsoft.com/office/drawing/2014/main" id="{1342A6AE-7118-4B5A-BC1D-D6C0C1C0DC24}"/>
+                <a16:creationId xmlns:a16="http://schemas.microsoft.com/office/drawing/2014/main" id="{037EC7B8-B338-443D-B67B-F677CEE20B94}"/>
               </a:ext>
             </a:extLst>
           </p:cNvPr>
@@ -2445,7 +2461,7 @@
           <a:bodyPr/>
           <a:lstStyle/>
           <a:p>
-            <a:fld id="{F274F566-FABF-4198-ADFB-058089CCA0E9}" type="slidenum">
+            <a:fld id="{5165CFD2-C9C7-4A60-B7EC-E7408702BDB6}" type="slidenum">
               <a:rPr lang="en-CA" smtClean="0"/>
               <a:t>‹N°›</a:t>
             </a:fld>
@@ -2456,7 +2472,7 @@
     </p:spTree>
     <p:extLst>
       <p:ext uri="{BB962C8B-B14F-4D97-AF65-F5344CB8AC3E}">
-        <p14:creationId xmlns:p14="http://schemas.microsoft.com/office/powerpoint/2010/main" val="2078729416"/>
+        <p14:creationId xmlns:p14="http://schemas.microsoft.com/office/powerpoint/2010/main" val="2315426243"/>
       </p:ext>
     </p:extLst>
   </p:cSld>
@@ -2488,7 +2504,7 @@
           <p:cNvPr id="2" name="Titre 1">
             <a:extLst>
               <a:ext uri="{FF2B5EF4-FFF2-40B4-BE49-F238E27FC236}">
-                <a16:creationId xmlns:a16="http://schemas.microsoft.com/office/drawing/2014/main" id="{82040ED1-7FA5-4404-A0B8-8AD31EF12755}"/>
+                <a16:creationId xmlns:a16="http://schemas.microsoft.com/office/drawing/2014/main" id="{7744EC33-9D2B-4E9A-AD87-08A5012CE482}"/>
               </a:ext>
             </a:extLst>
           </p:cNvPr>
@@ -2526,7 +2542,7 @@
           <p:cNvPr id="3" name="Espace réservé pour une image  2">
             <a:extLst>
               <a:ext uri="{FF2B5EF4-FFF2-40B4-BE49-F238E27FC236}">
-                <a16:creationId xmlns:a16="http://schemas.microsoft.com/office/drawing/2014/main" id="{1452BD5D-5E89-4E3F-9ACB-7D674C1CD0F5}"/>
+                <a16:creationId xmlns:a16="http://schemas.microsoft.com/office/drawing/2014/main" id="{723152C7-A97D-4427-93B9-0820910FD4B5}"/>
               </a:ext>
             </a:extLst>
           </p:cNvPr>
@@ -2593,7 +2609,7 @@
           <p:cNvPr id="4" name="Espace réservé du texte 3">
             <a:extLst>
               <a:ext uri="{FF2B5EF4-FFF2-40B4-BE49-F238E27FC236}">
-                <a16:creationId xmlns:a16="http://schemas.microsoft.com/office/drawing/2014/main" id="{2DB94FD6-94E2-4E66-972F-DAB84DCB3621}"/>
+                <a16:creationId xmlns:a16="http://schemas.microsoft.com/office/drawing/2014/main" id="{AA86F301-B846-4CBC-B331-CEBE2689C0E6}"/>
               </a:ext>
             </a:extLst>
           </p:cNvPr>
@@ -2664,7 +2680,7 @@
           <p:cNvPr id="5" name="Espace réservé de la date 4">
             <a:extLst>
               <a:ext uri="{FF2B5EF4-FFF2-40B4-BE49-F238E27FC236}">
-                <a16:creationId xmlns:a16="http://schemas.microsoft.com/office/drawing/2014/main" id="{058ABA45-D5C0-4DD8-8B5E-A0933180137F}"/>
+                <a16:creationId xmlns:a16="http://schemas.microsoft.com/office/drawing/2014/main" id="{58F6D1A2-2EE9-44E9-8315-6ABCCF1F089D}"/>
               </a:ext>
             </a:extLst>
           </p:cNvPr>
@@ -2680,9 +2696,9 @@
           <a:bodyPr/>
           <a:lstStyle/>
           <a:p>
-            <a:fld id="{BB7ACC8B-F820-4628-B248-7E4316B8B483}" type="datetimeFigureOut">
+            <a:fld id="{3E16B8E9-2FBF-40D5-99D9-26D26633A60D}" type="datetimeFigureOut">
               <a:rPr lang="en-CA" smtClean="0"/>
-              <a:t>2021-08-08</a:t>
+              <a:t>2021-08-15</a:t>
             </a:fld>
             <a:endParaRPr lang="en-CA"/>
           </a:p>
@@ -2693,7 +2709,7 @@
           <p:cNvPr id="6" name="Espace réservé du pied de page 5">
             <a:extLst>
               <a:ext uri="{FF2B5EF4-FFF2-40B4-BE49-F238E27FC236}">
-                <a16:creationId xmlns:a16="http://schemas.microsoft.com/office/drawing/2014/main" id="{F2522CBE-8CE7-4707-95A7-A3FD0568C1D3}"/>
+                <a16:creationId xmlns:a16="http://schemas.microsoft.com/office/drawing/2014/main" id="{465C4923-BE89-4A1B-A7EB-40D6666DE29B}"/>
               </a:ext>
             </a:extLst>
           </p:cNvPr>
@@ -2718,7 +2734,7 @@
           <p:cNvPr id="7" name="Espace réservé du numéro de diapositive 6">
             <a:extLst>
               <a:ext uri="{FF2B5EF4-FFF2-40B4-BE49-F238E27FC236}">
-                <a16:creationId xmlns:a16="http://schemas.microsoft.com/office/drawing/2014/main" id="{A452A469-D179-4F09-94A4-E5EE862CFC81}"/>
+                <a16:creationId xmlns:a16="http://schemas.microsoft.com/office/drawing/2014/main" id="{95FBCA07-D4E6-49C3-91D0-FD8403111CF0}"/>
               </a:ext>
             </a:extLst>
           </p:cNvPr>
@@ -2734,7 +2750,7 @@
           <a:bodyPr/>
           <a:lstStyle/>
           <a:p>
-            <a:fld id="{F274F566-FABF-4198-ADFB-058089CCA0E9}" type="slidenum">
+            <a:fld id="{5165CFD2-C9C7-4A60-B7EC-E7408702BDB6}" type="slidenum">
               <a:rPr lang="en-CA" smtClean="0"/>
               <a:t>‹N°›</a:t>
             </a:fld>
@@ -2745,7 +2761,7 @@
     </p:spTree>
     <p:extLst>
       <p:ext uri="{BB962C8B-B14F-4D97-AF65-F5344CB8AC3E}">
-        <p14:creationId xmlns:p14="http://schemas.microsoft.com/office/powerpoint/2010/main" val="299896663"/>
+        <p14:creationId xmlns:p14="http://schemas.microsoft.com/office/powerpoint/2010/main" val="418869887"/>
       </p:ext>
     </p:extLst>
   </p:cSld>
@@ -2782,7 +2798,7 @@
           <p:cNvPr id="2" name="Espace réservé du titre 1">
             <a:extLst>
               <a:ext uri="{FF2B5EF4-FFF2-40B4-BE49-F238E27FC236}">
-                <a16:creationId xmlns:a16="http://schemas.microsoft.com/office/drawing/2014/main" id="{10E049EF-0EFE-44C9-8B4A-536EEE70BFDC}"/>
+                <a16:creationId xmlns:a16="http://schemas.microsoft.com/office/drawing/2014/main" id="{C8D699CF-0DE2-46E2-B309-2DA3242D9D32}"/>
               </a:ext>
             </a:extLst>
           </p:cNvPr>
@@ -2821,7 +2837,7 @@
           <p:cNvPr id="3" name="Espace réservé du texte 2">
             <a:extLst>
               <a:ext uri="{FF2B5EF4-FFF2-40B4-BE49-F238E27FC236}">
-                <a16:creationId xmlns:a16="http://schemas.microsoft.com/office/drawing/2014/main" id="{B126D200-521C-4504-9282-F4E87514A91E}"/>
+                <a16:creationId xmlns:a16="http://schemas.microsoft.com/office/drawing/2014/main" id="{C3776C1B-9C62-4D16-9823-B5269BCCB580}"/>
               </a:ext>
             </a:extLst>
           </p:cNvPr>
@@ -2889,7 +2905,7 @@
           <p:cNvPr id="4" name="Espace réservé de la date 3">
             <a:extLst>
               <a:ext uri="{FF2B5EF4-FFF2-40B4-BE49-F238E27FC236}">
-                <a16:creationId xmlns:a16="http://schemas.microsoft.com/office/drawing/2014/main" id="{08D02B48-F81F-4C48-916F-2CA30FB1F580}"/>
+                <a16:creationId xmlns:a16="http://schemas.microsoft.com/office/drawing/2014/main" id="{E565769C-C8E4-4971-A6D9-5B25ACC3A8B5}"/>
               </a:ext>
             </a:extLst>
           </p:cNvPr>
@@ -2923,9 +2939,9 @@
             </a:lvl1pPr>
           </a:lstStyle>
           <a:p>
-            <a:fld id="{BB7ACC8B-F820-4628-B248-7E4316B8B483}" type="datetimeFigureOut">
+            <a:fld id="{3E16B8E9-2FBF-40D5-99D9-26D26633A60D}" type="datetimeFigureOut">
               <a:rPr lang="en-CA" smtClean="0"/>
-              <a:t>2021-08-08</a:t>
+              <a:t>2021-08-15</a:t>
             </a:fld>
             <a:endParaRPr lang="en-CA"/>
           </a:p>
@@ -2936,7 +2952,7 @@
           <p:cNvPr id="5" name="Espace réservé du pied de page 4">
             <a:extLst>
               <a:ext uri="{FF2B5EF4-FFF2-40B4-BE49-F238E27FC236}">
-                <a16:creationId xmlns:a16="http://schemas.microsoft.com/office/drawing/2014/main" id="{FDB2CF43-383F-42A8-9E76-20373227D496}"/>
+                <a16:creationId xmlns:a16="http://schemas.microsoft.com/office/drawing/2014/main" id="{A729A50C-EAB1-4CD7-9F0D-2650712EB87F}"/>
               </a:ext>
             </a:extLst>
           </p:cNvPr>
@@ -2979,7 +2995,7 @@
           <p:cNvPr id="6" name="Espace réservé du numéro de diapositive 5">
             <a:extLst>
               <a:ext uri="{FF2B5EF4-FFF2-40B4-BE49-F238E27FC236}">
-                <a16:creationId xmlns:a16="http://schemas.microsoft.com/office/drawing/2014/main" id="{E579F566-D9BB-46D5-9115-2F5386DE18A1}"/>
+                <a16:creationId xmlns:a16="http://schemas.microsoft.com/office/drawing/2014/main" id="{CDE8E79D-DD3B-4DE7-BD3A-6E3BB4413FDF}"/>
               </a:ext>
             </a:extLst>
           </p:cNvPr>
@@ -3013,7 +3029,7 @@
             </a:lvl1pPr>
           </a:lstStyle>
           <a:p>
-            <a:fld id="{F274F566-FABF-4198-ADFB-058089CCA0E9}" type="slidenum">
+            <a:fld id="{5165CFD2-C9C7-4A60-B7EC-E7408702BDB6}" type="slidenum">
               <a:rPr lang="en-CA" smtClean="0"/>
               <a:t>‹N°›</a:t>
             </a:fld>
@@ -3024,7 +3040,7 @@
     </p:spTree>
     <p:extLst>
       <p:ext uri="{BB962C8B-B14F-4D97-AF65-F5344CB8AC3E}">
-        <p14:creationId xmlns:p14="http://schemas.microsoft.com/office/powerpoint/2010/main" val="126448704"/>
+        <p14:creationId xmlns:p14="http://schemas.microsoft.com/office/powerpoint/2010/main" val="1501370043"/>
       </p:ext>
     </p:extLst>
   </p:cSld>
@@ -3342,504 +3358,141 @@
           <a:chExt cx="0" cy="0"/>
         </a:xfrm>
       </p:grpSpPr>
-      <p:sp>
-        <p:nvSpPr>
-          <p:cNvPr id="4" name="Ellipse 3">
-            <a:extLst>
-              <a:ext uri="{FF2B5EF4-FFF2-40B4-BE49-F238E27FC236}">
-                <a16:creationId xmlns:a16="http://schemas.microsoft.com/office/drawing/2014/main" id="{A1B26DCB-2663-4194-82A5-7AAF0CB11768}"/>
-              </a:ext>
-            </a:extLst>
-          </p:cNvPr>
-          <p:cNvSpPr/>
+      <p:cxnSp>
+        <p:nvCxnSpPr>
+          <p:cNvPr id="5" name="Connecteur droit avec flèche 4">
+            <a:extLst>
+              <a:ext uri="{FF2B5EF4-FFF2-40B4-BE49-F238E27FC236}">
+                <a16:creationId xmlns:a16="http://schemas.microsoft.com/office/drawing/2014/main" id="{19A1B909-4391-4502-A541-2E1FE6442AA1}"/>
+              </a:ext>
+            </a:extLst>
+          </p:cNvPr>
+          <p:cNvCxnSpPr/>
           <p:nvPr/>
-        </p:nvSpPr>
+        </p:nvCxnSpPr>
         <p:spPr>
           <a:xfrm>
-            <a:off x="2466108" y="1348509"/>
-            <a:ext cx="7656947" cy="4294910"/>
+            <a:off x="864066" y="847288"/>
+            <a:ext cx="10083567" cy="0"/>
           </a:xfrm>
-          <a:prstGeom prst="ellipse">
+          <a:prstGeom prst="straightConnector1">
             <a:avLst/>
           </a:prstGeom>
-          <a:noFill/>
-          <a:ln w="127000">
+          <a:ln w="50800">
             <a:solidFill>
               <a:schemeClr val="tx1"/>
             </a:solidFill>
+            <a:prstDash val="sysDot"/>
+            <a:tailEnd type="triangle"/>
           </a:ln>
         </p:spPr>
         <p:style>
-          <a:lnRef idx="2">
-            <a:schemeClr val="accent1">
-              <a:shade val="50000"/>
-            </a:schemeClr>
+          <a:lnRef idx="1">
+            <a:schemeClr val="accent1"/>
           </a:lnRef>
-          <a:fillRef idx="1">
+          <a:fillRef idx="0">
             <a:schemeClr val="accent1"/>
           </a:fillRef>
           <a:effectRef idx="0">
             <a:schemeClr val="accent1"/>
           </a:effectRef>
           <a:fontRef idx="minor">
-            <a:schemeClr val="lt1"/>
+            <a:schemeClr val="tx1"/>
           </a:fontRef>
         </p:style>
-        <p:txBody>
-          <a:bodyPr rtlCol="0" anchor="ctr"/>
-          <a:lstStyle/>
-          <a:p>
-            <a:pPr algn="ctr"/>
-            <a:endParaRPr lang="en-CA"/>
-          </a:p>
-        </p:txBody>
-      </p:sp>
-      <p:sp>
-        <p:nvSpPr>
-          <p:cNvPr id="5" name="Ellipse 4">
-            <a:extLst>
-              <a:ext uri="{FF2B5EF4-FFF2-40B4-BE49-F238E27FC236}">
-                <a16:creationId xmlns:a16="http://schemas.microsoft.com/office/drawing/2014/main" id="{E8485669-840B-4742-B931-CAD5F820A012}"/>
-              </a:ext>
-            </a:extLst>
-          </p:cNvPr>
-          <p:cNvSpPr/>
+      </p:cxnSp>
+      <p:cxnSp>
+        <p:nvCxnSpPr>
+          <p:cNvPr id="6" name="Connecteur droit avec flèche 5">
+            <a:extLst>
+              <a:ext uri="{FF2B5EF4-FFF2-40B4-BE49-F238E27FC236}">
+                <a16:creationId xmlns:a16="http://schemas.microsoft.com/office/drawing/2014/main" id="{E6D73E85-B71E-4335-854B-A74E98DC00DB}"/>
+              </a:ext>
+            </a:extLst>
+          </p:cNvPr>
+          <p:cNvCxnSpPr/>
           <p:nvPr/>
-        </p:nvSpPr>
+        </p:nvCxnSpPr>
         <p:spPr>
           <a:xfrm>
-            <a:off x="3241964" y="1902691"/>
-            <a:ext cx="6123710" cy="3205018"/>
+            <a:off x="864066" y="2138022"/>
+            <a:ext cx="10083567" cy="0"/>
           </a:xfrm>
-          <a:prstGeom prst="ellipse">
+          <a:prstGeom prst="straightConnector1">
             <a:avLst/>
           </a:prstGeom>
-          <a:noFill/>
-          <a:ln w="127000">
+          <a:ln w="50800">
             <a:solidFill>
-              <a:schemeClr val="bg2">
-                <a:lumMod val="75000"/>
-              </a:schemeClr>
+              <a:schemeClr val="tx1"/>
             </a:solidFill>
+            <a:tailEnd type="triangle"/>
           </a:ln>
         </p:spPr>
         <p:style>
-          <a:lnRef idx="2">
-            <a:schemeClr val="accent1">
-              <a:shade val="50000"/>
-            </a:schemeClr>
+          <a:lnRef idx="1">
+            <a:schemeClr val="accent1"/>
           </a:lnRef>
-          <a:fillRef idx="1">
+          <a:fillRef idx="0">
             <a:schemeClr val="accent1"/>
           </a:fillRef>
           <a:effectRef idx="0">
             <a:schemeClr val="accent1"/>
           </a:effectRef>
           <a:fontRef idx="minor">
-            <a:schemeClr val="lt1"/>
+            <a:schemeClr val="tx1"/>
           </a:fontRef>
         </p:style>
-        <p:txBody>
-          <a:bodyPr rtlCol="0" anchor="ctr"/>
-          <a:lstStyle/>
-          <a:p>
-            <a:pPr algn="ctr"/>
-            <a:endParaRPr lang="en-CA"/>
-          </a:p>
-        </p:txBody>
-      </p:sp>
-      <p:sp>
-        <p:nvSpPr>
-          <p:cNvPr id="6" name="Rectangle 5">
-            <a:extLst>
-              <a:ext uri="{FF2B5EF4-FFF2-40B4-BE49-F238E27FC236}">
-                <a16:creationId xmlns:a16="http://schemas.microsoft.com/office/drawing/2014/main" id="{A03873DF-D572-4574-83AB-11E6E84E8313}"/>
-              </a:ext>
-            </a:extLst>
-          </p:cNvPr>
-          <p:cNvSpPr/>
+      </p:cxnSp>
+      <p:cxnSp>
+        <p:nvCxnSpPr>
+          <p:cNvPr id="7" name="Connecteur droit avec flèche 6">
+            <a:extLst>
+              <a:ext uri="{FF2B5EF4-FFF2-40B4-BE49-F238E27FC236}">
+                <a16:creationId xmlns:a16="http://schemas.microsoft.com/office/drawing/2014/main" id="{EC03D035-F2CB-4A59-9689-16BEB1CAFFF9}"/>
+              </a:ext>
+            </a:extLst>
+          </p:cNvPr>
+          <p:cNvCxnSpPr/>
           <p:nvPr/>
-        </p:nvSpPr>
+        </p:nvCxnSpPr>
         <p:spPr>
-          <a:xfrm rot="4693275">
-            <a:off x="5292435" y="1072764"/>
-            <a:ext cx="461819" cy="106217"/>
+          <a:xfrm>
+            <a:off x="864066" y="3724227"/>
+            <a:ext cx="10083567" cy="0"/>
           </a:xfrm>
-          <a:prstGeom prst="rect">
+          <a:prstGeom prst="straightConnector1">
             <a:avLst/>
           </a:prstGeom>
-          <a:solidFill>
-            <a:schemeClr val="tx1"/>
-          </a:solidFill>
-          <a:ln>
+          <a:ln w="50800">
             <a:solidFill>
-              <a:schemeClr val="tx1"/>
+              <a:schemeClr val="bg2">
+                <a:lumMod val="50000"/>
+              </a:schemeClr>
             </a:solidFill>
+            <a:tailEnd type="triangle"/>
           </a:ln>
         </p:spPr>
         <p:style>
-          <a:lnRef idx="2">
-            <a:schemeClr val="accent1">
-              <a:shade val="50000"/>
-            </a:schemeClr>
+          <a:lnRef idx="1">
+            <a:schemeClr val="accent1"/>
           </a:lnRef>
-          <a:fillRef idx="1">
+          <a:fillRef idx="0">
             <a:schemeClr val="accent1"/>
           </a:fillRef>
           <a:effectRef idx="0">
             <a:schemeClr val="accent1"/>
           </a:effectRef>
           <a:fontRef idx="minor">
-            <a:schemeClr val="lt1"/>
+            <a:schemeClr val="tx1"/>
           </a:fontRef>
         </p:style>
-        <p:txBody>
-          <a:bodyPr rtlCol="0" anchor="ctr"/>
-          <a:lstStyle/>
-          <a:p>
-            <a:pPr algn="ctr"/>
-            <a:endParaRPr lang="en-CA"/>
-          </a:p>
-        </p:txBody>
-      </p:sp>
-      <p:sp>
-        <p:nvSpPr>
-          <p:cNvPr id="7" name="Rectangle 6">
-            <a:extLst>
-              <a:ext uri="{FF2B5EF4-FFF2-40B4-BE49-F238E27FC236}">
-                <a16:creationId xmlns:a16="http://schemas.microsoft.com/office/drawing/2014/main" id="{791DEF08-192D-48BF-8F37-21EAD43A5196}"/>
-              </a:ext>
-            </a:extLst>
-          </p:cNvPr>
-          <p:cNvSpPr/>
-          <p:nvPr/>
-        </p:nvSpPr>
-        <p:spPr>
-          <a:xfrm rot="5400000">
-            <a:off x="6229925" y="2080492"/>
-            <a:ext cx="461819" cy="106217"/>
-          </a:xfrm>
-          <a:prstGeom prst="rect">
-            <a:avLst/>
-          </a:prstGeom>
-          <a:solidFill>
-            <a:schemeClr val="bg2">
-              <a:lumMod val="75000"/>
-            </a:schemeClr>
-          </a:solidFill>
-          <a:ln>
-            <a:solidFill>
-              <a:schemeClr val="bg2">
-                <a:lumMod val="75000"/>
-              </a:schemeClr>
-            </a:solidFill>
-          </a:ln>
-        </p:spPr>
-        <p:style>
-          <a:lnRef idx="2">
-            <a:schemeClr val="accent1">
-              <a:shade val="50000"/>
-            </a:schemeClr>
-          </a:lnRef>
-          <a:fillRef idx="1">
-            <a:schemeClr val="accent1"/>
-          </a:fillRef>
-          <a:effectRef idx="0">
-            <a:schemeClr val="accent1"/>
-          </a:effectRef>
-          <a:fontRef idx="minor">
-            <a:schemeClr val="lt1"/>
-          </a:fontRef>
-        </p:style>
-        <p:txBody>
-          <a:bodyPr rtlCol="0" anchor="ctr"/>
-          <a:lstStyle/>
-          <a:p>
-            <a:pPr algn="ctr"/>
-            <a:endParaRPr lang="en-CA"/>
-          </a:p>
-        </p:txBody>
-      </p:sp>
-      <p:sp>
-        <p:nvSpPr>
-          <p:cNvPr id="8" name="Rectangle 7">
-            <a:extLst>
-              <a:ext uri="{FF2B5EF4-FFF2-40B4-BE49-F238E27FC236}">
-                <a16:creationId xmlns:a16="http://schemas.microsoft.com/office/drawing/2014/main" id="{FA525F53-CECA-4855-83A3-33BBF0B22382}"/>
-              </a:ext>
-            </a:extLst>
-          </p:cNvPr>
-          <p:cNvSpPr/>
-          <p:nvPr/>
-        </p:nvSpPr>
-        <p:spPr>
-          <a:xfrm rot="7396426">
-            <a:off x="9171279" y="1849582"/>
-            <a:ext cx="461819" cy="106217"/>
-          </a:xfrm>
-          <a:prstGeom prst="rect">
-            <a:avLst/>
-          </a:prstGeom>
-          <a:solidFill>
-            <a:schemeClr val="tx1"/>
-          </a:solidFill>
-          <a:ln>
-            <a:solidFill>
-              <a:schemeClr val="tx1"/>
-            </a:solidFill>
-          </a:ln>
-        </p:spPr>
-        <p:style>
-          <a:lnRef idx="2">
-            <a:schemeClr val="accent1">
-              <a:shade val="50000"/>
-            </a:schemeClr>
-          </a:lnRef>
-          <a:fillRef idx="1">
-            <a:schemeClr val="accent1"/>
-          </a:fillRef>
-          <a:effectRef idx="0">
-            <a:schemeClr val="accent1"/>
-          </a:effectRef>
-          <a:fontRef idx="minor">
-            <a:schemeClr val="lt1"/>
-          </a:fontRef>
-        </p:style>
-        <p:txBody>
-          <a:bodyPr rtlCol="0" anchor="ctr"/>
-          <a:lstStyle/>
-          <a:p>
-            <a:pPr algn="ctr"/>
-            <a:endParaRPr lang="en-CA"/>
-          </a:p>
-        </p:txBody>
-      </p:sp>
-      <p:sp>
-        <p:nvSpPr>
-          <p:cNvPr id="9" name="Rectangle 8">
-            <a:extLst>
-              <a:ext uri="{FF2B5EF4-FFF2-40B4-BE49-F238E27FC236}">
-                <a16:creationId xmlns:a16="http://schemas.microsoft.com/office/drawing/2014/main" id="{871E6F1A-D709-465F-89F0-968BF441ACEE}"/>
-              </a:ext>
-            </a:extLst>
-          </p:cNvPr>
-          <p:cNvSpPr/>
-          <p:nvPr/>
-        </p:nvSpPr>
-        <p:spPr>
-          <a:xfrm rot="9864525">
-            <a:off x="10034148" y="2795345"/>
-            <a:ext cx="461819" cy="106217"/>
-          </a:xfrm>
-          <a:prstGeom prst="rect">
-            <a:avLst/>
-          </a:prstGeom>
-          <a:solidFill>
-            <a:schemeClr val="tx1"/>
-          </a:solidFill>
-          <a:ln>
-            <a:solidFill>
-              <a:schemeClr val="tx1"/>
-            </a:solidFill>
-          </a:ln>
-        </p:spPr>
-        <p:style>
-          <a:lnRef idx="2">
-            <a:schemeClr val="accent1">
-              <a:shade val="50000"/>
-            </a:schemeClr>
-          </a:lnRef>
-          <a:fillRef idx="1">
-            <a:schemeClr val="accent1"/>
-          </a:fillRef>
-          <a:effectRef idx="0">
-            <a:schemeClr val="accent1"/>
-          </a:effectRef>
-          <a:fontRef idx="minor">
-            <a:schemeClr val="lt1"/>
-          </a:fontRef>
-        </p:style>
-        <p:txBody>
-          <a:bodyPr rtlCol="0" anchor="ctr"/>
-          <a:lstStyle/>
-          <a:p>
-            <a:pPr algn="ctr"/>
-            <a:endParaRPr lang="en-CA"/>
-          </a:p>
-        </p:txBody>
-      </p:sp>
-      <p:sp>
-        <p:nvSpPr>
-          <p:cNvPr id="10" name="Rectangle 9">
-            <a:extLst>
-              <a:ext uri="{FF2B5EF4-FFF2-40B4-BE49-F238E27FC236}">
-                <a16:creationId xmlns:a16="http://schemas.microsoft.com/office/drawing/2014/main" id="{C2819581-E58F-44D3-8C94-D67460C9457F}"/>
-              </a:ext>
-            </a:extLst>
-          </p:cNvPr>
-          <p:cNvSpPr/>
-          <p:nvPr/>
-        </p:nvSpPr>
-        <p:spPr>
-          <a:xfrm rot="11967358">
-            <a:off x="10081491" y="3950322"/>
-            <a:ext cx="461819" cy="106217"/>
-          </a:xfrm>
-          <a:prstGeom prst="rect">
-            <a:avLst/>
-          </a:prstGeom>
-          <a:solidFill>
-            <a:schemeClr val="tx1"/>
-          </a:solidFill>
-          <a:ln>
-            <a:solidFill>
-              <a:schemeClr val="tx1"/>
-            </a:solidFill>
-          </a:ln>
-        </p:spPr>
-        <p:style>
-          <a:lnRef idx="2">
-            <a:schemeClr val="accent1">
-              <a:shade val="50000"/>
-            </a:schemeClr>
-          </a:lnRef>
-          <a:fillRef idx="1">
-            <a:schemeClr val="accent1"/>
-          </a:fillRef>
-          <a:effectRef idx="0">
-            <a:schemeClr val="accent1"/>
-          </a:effectRef>
-          <a:fontRef idx="minor">
-            <a:schemeClr val="lt1"/>
-          </a:fontRef>
-        </p:style>
-        <p:txBody>
-          <a:bodyPr rtlCol="0" anchor="ctr"/>
-          <a:lstStyle/>
-          <a:p>
-            <a:pPr algn="ctr"/>
-            <a:endParaRPr lang="en-CA"/>
-          </a:p>
-        </p:txBody>
-      </p:sp>
-      <p:sp>
-        <p:nvSpPr>
-          <p:cNvPr id="11" name="Rectangle 10">
-            <a:extLst>
-              <a:ext uri="{FF2B5EF4-FFF2-40B4-BE49-F238E27FC236}">
-                <a16:creationId xmlns:a16="http://schemas.microsoft.com/office/drawing/2014/main" id="{0A9131B6-6BBE-4947-BD60-DEC189AEBA35}"/>
-              </a:ext>
-            </a:extLst>
-          </p:cNvPr>
-          <p:cNvSpPr/>
-          <p:nvPr/>
-        </p:nvSpPr>
-        <p:spPr>
-          <a:xfrm rot="13820155">
-            <a:off x="9134764" y="5082956"/>
-            <a:ext cx="461819" cy="106217"/>
-          </a:xfrm>
-          <a:prstGeom prst="rect">
-            <a:avLst/>
-          </a:prstGeom>
-          <a:solidFill>
-            <a:schemeClr val="tx1"/>
-          </a:solidFill>
-          <a:ln>
-            <a:solidFill>
-              <a:schemeClr val="tx1"/>
-            </a:solidFill>
-          </a:ln>
-        </p:spPr>
-        <p:style>
-          <a:lnRef idx="2">
-            <a:schemeClr val="accent1">
-              <a:shade val="50000"/>
-            </a:schemeClr>
-          </a:lnRef>
-          <a:fillRef idx="1">
-            <a:schemeClr val="accent1"/>
-          </a:fillRef>
-          <a:effectRef idx="0">
-            <a:schemeClr val="accent1"/>
-          </a:effectRef>
-          <a:fontRef idx="minor">
-            <a:schemeClr val="lt1"/>
-          </a:fontRef>
-        </p:style>
-        <p:txBody>
-          <a:bodyPr rtlCol="0" anchor="ctr"/>
-          <a:lstStyle/>
-          <a:p>
-            <a:pPr algn="ctr"/>
-            <a:endParaRPr lang="en-CA"/>
-          </a:p>
-        </p:txBody>
-      </p:sp>
-      <p:sp>
-        <p:nvSpPr>
-          <p:cNvPr id="12" name="Rectangle 11">
-            <a:extLst>
-              <a:ext uri="{FF2B5EF4-FFF2-40B4-BE49-F238E27FC236}">
-                <a16:creationId xmlns:a16="http://schemas.microsoft.com/office/drawing/2014/main" id="{63C68BF7-4E7C-44D7-A053-470900B0C74B}"/>
-              </a:ext>
-            </a:extLst>
-          </p:cNvPr>
-          <p:cNvSpPr/>
-          <p:nvPr/>
-        </p:nvSpPr>
-        <p:spPr>
-          <a:xfrm rot="13670409">
-            <a:off x="8386616" y="4157136"/>
-            <a:ext cx="461819" cy="106217"/>
-          </a:xfrm>
-          <a:prstGeom prst="rect">
-            <a:avLst/>
-          </a:prstGeom>
-          <a:solidFill>
-            <a:schemeClr val="bg2">
-              <a:lumMod val="75000"/>
-            </a:schemeClr>
-          </a:solidFill>
-          <a:ln>
-            <a:solidFill>
-              <a:schemeClr val="bg2">
-                <a:lumMod val="75000"/>
-              </a:schemeClr>
-            </a:solidFill>
-          </a:ln>
-        </p:spPr>
-        <p:style>
-          <a:lnRef idx="2">
-            <a:schemeClr val="accent1">
-              <a:shade val="50000"/>
-            </a:schemeClr>
-          </a:lnRef>
-          <a:fillRef idx="1">
-            <a:schemeClr val="accent1"/>
-          </a:fillRef>
-          <a:effectRef idx="0">
-            <a:schemeClr val="accent1"/>
-          </a:effectRef>
-          <a:fontRef idx="minor">
-            <a:schemeClr val="lt1"/>
-          </a:fontRef>
-        </p:style>
-        <p:txBody>
-          <a:bodyPr rtlCol="0" anchor="ctr"/>
-          <a:lstStyle/>
-          <a:p>
-            <a:pPr algn="ctr"/>
-            <a:endParaRPr lang="en-CA"/>
-          </a:p>
-        </p:txBody>
-      </p:sp>
-      <p:sp>
-        <p:nvSpPr>
-          <p:cNvPr id="13" name="ZoneTexte 12">
-            <a:extLst>
-              <a:ext uri="{FF2B5EF4-FFF2-40B4-BE49-F238E27FC236}">
-                <a16:creationId xmlns:a16="http://schemas.microsoft.com/office/drawing/2014/main" id="{062B938B-0DC8-4C7D-9AFC-66058C8016D5}"/>
+      </p:cxnSp>
+      <p:sp>
+        <p:nvSpPr>
+          <p:cNvPr id="8" name="ZoneTexte 7">
+            <a:extLst>
+              <a:ext uri="{FF2B5EF4-FFF2-40B4-BE49-F238E27FC236}">
+                <a16:creationId xmlns:a16="http://schemas.microsoft.com/office/drawing/2014/main" id="{BC60DA38-2DDA-4801-90E1-7F6A11ECAA55}"/>
               </a:ext>
             </a:extLst>
           </p:cNvPr>
@@ -3848,8 +3501,8 @@
         </p:nvSpPr>
         <p:spPr>
           <a:xfrm>
-            <a:off x="4779817" y="474556"/>
-            <a:ext cx="1487054" cy="369332"/>
+            <a:off x="864066" y="173388"/>
+            <a:ext cx="1268964" cy="369332"/>
           </a:xfrm>
           <a:prstGeom prst="rect">
             <a:avLst/>
@@ -3863,21 +3516,18 @@
           <a:lstStyle/>
           <a:p>
             <a:r>
-              <a:rPr lang="en-CA" dirty="0">
-                <a:latin typeface="Arial" panose="020B0604020202020204" pitchFamily="34" charset="0"/>
-                <a:cs typeface="Arial" panose="020B0604020202020204" pitchFamily="34" charset="0"/>
-              </a:rPr>
-              <a:t>Emergence</a:t>
-            </a:r>
-          </a:p>
-        </p:txBody>
-      </p:sp>
-      <p:sp>
-        <p:nvSpPr>
-          <p:cNvPr id="14" name="ZoneTexte 13">
-            <a:extLst>
-              <a:ext uri="{FF2B5EF4-FFF2-40B4-BE49-F238E27FC236}">
-                <a16:creationId xmlns:a16="http://schemas.microsoft.com/office/drawing/2014/main" id="{7D9B1B2D-B60D-4C7D-AEFE-E813894C711E}"/>
+              <a:rPr lang="en-CA" dirty="0"/>
+              <a:t>Summer</a:t>
+            </a:r>
+          </a:p>
+        </p:txBody>
+      </p:sp>
+      <p:sp>
+        <p:nvSpPr>
+          <p:cNvPr id="9" name="ZoneTexte 8">
+            <a:extLst>
+              <a:ext uri="{FF2B5EF4-FFF2-40B4-BE49-F238E27FC236}">
+                <a16:creationId xmlns:a16="http://schemas.microsoft.com/office/drawing/2014/main" id="{03262BAA-6980-4385-92B1-FB9ECEEC651C}"/>
               </a:ext>
             </a:extLst>
           </p:cNvPr>
@@ -3886,8 +3536,8 @@
         </p:nvSpPr>
         <p:spPr>
           <a:xfrm>
-            <a:off x="5714726" y="2355129"/>
-            <a:ext cx="1117601" cy="369332"/>
+            <a:off x="2061495" y="173388"/>
+            <a:ext cx="635052" cy="369332"/>
           </a:xfrm>
           <a:prstGeom prst="rect">
             <a:avLst/>
@@ -3901,21 +3551,18 @@
           <a:lstStyle/>
           <a:p>
             <a:r>
-              <a:rPr lang="en-CA" dirty="0">
-                <a:latin typeface="Arial" panose="020B0604020202020204" pitchFamily="34" charset="0"/>
-                <a:cs typeface="Arial" panose="020B0604020202020204" pitchFamily="34" charset="0"/>
-              </a:rPr>
-              <a:t>Budburst</a:t>
-            </a:r>
-          </a:p>
-        </p:txBody>
-      </p:sp>
-      <p:sp>
-        <p:nvSpPr>
-          <p:cNvPr id="15" name="ZoneTexte 14">
-            <a:extLst>
-              <a:ext uri="{FF2B5EF4-FFF2-40B4-BE49-F238E27FC236}">
-                <a16:creationId xmlns:a16="http://schemas.microsoft.com/office/drawing/2014/main" id="{EF59889D-78F7-47A6-88B1-BE98D1503528}"/>
+              <a:rPr lang="en-CA" dirty="0"/>
+              <a:t>Fall</a:t>
+            </a:r>
+          </a:p>
+        </p:txBody>
+      </p:sp>
+      <p:sp>
+        <p:nvSpPr>
+          <p:cNvPr id="10" name="ZoneTexte 9">
+            <a:extLst>
+              <a:ext uri="{FF2B5EF4-FFF2-40B4-BE49-F238E27FC236}">
+                <a16:creationId xmlns:a16="http://schemas.microsoft.com/office/drawing/2014/main" id="{DCE36647-66B2-4886-98BF-5E66B198D0C5}"/>
               </a:ext>
             </a:extLst>
           </p:cNvPr>
@@ -3924,8 +3571,8 @@
         </p:nvSpPr>
         <p:spPr>
           <a:xfrm>
-            <a:off x="9231100" y="1237597"/>
-            <a:ext cx="1487054" cy="369332"/>
+            <a:off x="3069200" y="173388"/>
+            <a:ext cx="1268964" cy="369332"/>
           </a:xfrm>
           <a:prstGeom prst="rect">
             <a:avLst/>
@@ -3939,21 +3586,18 @@
           <a:lstStyle/>
           <a:p>
             <a:r>
-              <a:rPr lang="en-CA" dirty="0">
-                <a:latin typeface="Arial" panose="020B0604020202020204" pitchFamily="34" charset="0"/>
-                <a:cs typeface="Arial" panose="020B0604020202020204" pitchFamily="34" charset="0"/>
-              </a:rPr>
-              <a:t>Pupation</a:t>
-            </a:r>
-          </a:p>
-        </p:txBody>
-      </p:sp>
-      <p:sp>
-        <p:nvSpPr>
-          <p:cNvPr id="16" name="ZoneTexte 15">
-            <a:extLst>
-              <a:ext uri="{FF2B5EF4-FFF2-40B4-BE49-F238E27FC236}">
-                <a16:creationId xmlns:a16="http://schemas.microsoft.com/office/drawing/2014/main" id="{B03282EE-12C6-454B-9909-6DA169529415}"/>
+              <a:rPr lang="en-CA" dirty="0"/>
+              <a:t>Winter</a:t>
+            </a:r>
+          </a:p>
+        </p:txBody>
+      </p:sp>
+      <p:sp>
+        <p:nvSpPr>
+          <p:cNvPr id="11" name="ZoneTexte 10">
+            <a:extLst>
+              <a:ext uri="{FF2B5EF4-FFF2-40B4-BE49-F238E27FC236}">
+                <a16:creationId xmlns:a16="http://schemas.microsoft.com/office/drawing/2014/main" id="{69C599FF-0285-4FF8-A5A5-48E2816ABB48}"/>
               </a:ext>
             </a:extLst>
           </p:cNvPr>
@@ -3962,8 +3606,8 @@
         </p:nvSpPr>
         <p:spPr>
           <a:xfrm>
-            <a:off x="10123055" y="2307406"/>
-            <a:ext cx="1657925" cy="369332"/>
+            <a:off x="5461518" y="173388"/>
+            <a:ext cx="1268964" cy="369332"/>
           </a:xfrm>
           <a:prstGeom prst="rect">
             <a:avLst/>
@@ -3977,21 +3621,18 @@
           <a:lstStyle/>
           <a:p>
             <a:r>
-              <a:rPr lang="en-CA" dirty="0">
-                <a:latin typeface="Arial" panose="020B0604020202020204" pitchFamily="34" charset="0"/>
-                <a:cs typeface="Arial" panose="020B0604020202020204" pitchFamily="34" charset="0"/>
-              </a:rPr>
-              <a:t>Reproduction</a:t>
-            </a:r>
-          </a:p>
-        </p:txBody>
-      </p:sp>
-      <p:sp>
-        <p:nvSpPr>
-          <p:cNvPr id="17" name="ZoneTexte 16">
-            <a:extLst>
-              <a:ext uri="{FF2B5EF4-FFF2-40B4-BE49-F238E27FC236}">
-                <a16:creationId xmlns:a16="http://schemas.microsoft.com/office/drawing/2014/main" id="{44FDBFA7-AA78-45CC-856D-C20A7C0EC267}"/>
+              <a:rPr lang="en-CA" dirty="0"/>
+              <a:t>Spring</a:t>
+            </a:r>
+          </a:p>
+        </p:txBody>
+      </p:sp>
+      <p:sp>
+        <p:nvSpPr>
+          <p:cNvPr id="12" name="ZoneTexte 11">
+            <a:extLst>
+              <a:ext uri="{FF2B5EF4-FFF2-40B4-BE49-F238E27FC236}">
+                <a16:creationId xmlns:a16="http://schemas.microsoft.com/office/drawing/2014/main" id="{361887F5-B7E5-4AF5-A962-533A50211CEA}"/>
               </a:ext>
             </a:extLst>
           </p:cNvPr>
@@ -4000,8 +3641,8 @@
         </p:nvSpPr>
         <p:spPr>
           <a:xfrm>
-            <a:off x="10574474" y="3680264"/>
-            <a:ext cx="1206506" cy="646331"/>
+            <a:off x="8373530" y="169030"/>
+            <a:ext cx="1268964" cy="369332"/>
           </a:xfrm>
           <a:prstGeom prst="rect">
             <a:avLst/>
@@ -4015,21 +3656,18 @@
           <a:lstStyle/>
           <a:p>
             <a:r>
-              <a:rPr lang="en-CA" dirty="0">
-                <a:latin typeface="Arial" panose="020B0604020202020204" pitchFamily="34" charset="0"/>
-                <a:cs typeface="Arial" panose="020B0604020202020204" pitchFamily="34" charset="0"/>
-              </a:rPr>
-              <a:t>Eggs hatching</a:t>
-            </a:r>
-          </a:p>
-        </p:txBody>
-      </p:sp>
-      <p:sp>
-        <p:nvSpPr>
-          <p:cNvPr id="18" name="ZoneTexte 17">
-            <a:extLst>
-              <a:ext uri="{FF2B5EF4-FFF2-40B4-BE49-F238E27FC236}">
-                <a16:creationId xmlns:a16="http://schemas.microsoft.com/office/drawing/2014/main" id="{603061B6-509D-46B7-A201-9248962D585A}"/>
+              <a:rPr lang="en-CA" dirty="0"/>
+              <a:t>Summer</a:t>
+            </a:r>
+          </a:p>
+        </p:txBody>
+      </p:sp>
+      <p:sp>
+        <p:nvSpPr>
+          <p:cNvPr id="13" name="ZoneTexte 12">
+            <a:extLst>
+              <a:ext uri="{FF2B5EF4-FFF2-40B4-BE49-F238E27FC236}">
+                <a16:creationId xmlns:a16="http://schemas.microsoft.com/office/drawing/2014/main" id="{1B353A78-AB1E-42B4-AC0B-7DA0A281BFF5}"/>
               </a:ext>
             </a:extLst>
           </p:cNvPr>
@@ -4038,8 +3676,8 @@
         </p:nvSpPr>
         <p:spPr>
           <a:xfrm>
-            <a:off x="9142838" y="5347657"/>
-            <a:ext cx="1487054" cy="646331"/>
+            <a:off x="864066" y="1576090"/>
+            <a:ext cx="1268964" cy="369332"/>
           </a:xfrm>
           <a:prstGeom prst="rect">
             <a:avLst/>
@@ -4053,35 +3691,18 @@
           <a:lstStyle/>
           <a:p>
             <a:r>
-              <a:rPr lang="en-CA" dirty="0">
-                <a:latin typeface="Arial" panose="020B0604020202020204" pitchFamily="34" charset="0"/>
-                <a:cs typeface="Arial" panose="020B0604020202020204" pitchFamily="34" charset="0"/>
-              </a:rPr>
-              <a:t>L</a:t>
-            </a:r>
-            <a:r>
-              <a:rPr lang="en-CA" baseline="-25000" dirty="0">
-                <a:latin typeface="Arial" panose="020B0604020202020204" pitchFamily="34" charset="0"/>
-                <a:cs typeface="Arial" panose="020B0604020202020204" pitchFamily="34" charset="0"/>
-              </a:rPr>
-              <a:t>2</a:t>
-            </a:r>
-            <a:r>
-              <a:rPr lang="en-CA" dirty="0">
-                <a:latin typeface="Arial" panose="020B0604020202020204" pitchFamily="34" charset="0"/>
-                <a:cs typeface="Arial" panose="020B0604020202020204" pitchFamily="34" charset="0"/>
-              </a:rPr>
-              <a:t> entering diapause</a:t>
-            </a:r>
-          </a:p>
-        </p:txBody>
-      </p:sp>
-      <p:sp>
-        <p:nvSpPr>
-          <p:cNvPr id="19" name="ZoneTexte 18">
-            <a:extLst>
-              <a:ext uri="{FF2B5EF4-FFF2-40B4-BE49-F238E27FC236}">
-                <a16:creationId xmlns:a16="http://schemas.microsoft.com/office/drawing/2014/main" id="{0DE55AFE-D2FF-4055-ABA9-F10E53450323}"/>
+              <a:rPr lang="en-CA" dirty="0"/>
+              <a:t>eggs</a:t>
+            </a:r>
+          </a:p>
+        </p:txBody>
+      </p:sp>
+      <p:sp>
+        <p:nvSpPr>
+          <p:cNvPr id="14" name="ZoneTexte 13">
+            <a:extLst>
+              <a:ext uri="{FF2B5EF4-FFF2-40B4-BE49-F238E27FC236}">
+                <a16:creationId xmlns:a16="http://schemas.microsoft.com/office/drawing/2014/main" id="{D5FECFE5-C86A-4E54-8EB7-43068630C4A4}"/>
               </a:ext>
             </a:extLst>
           </p:cNvPr>
@@ -4090,8 +3711,8 @@
         </p:nvSpPr>
         <p:spPr>
           <a:xfrm>
-            <a:off x="3354522" y="3429000"/>
-            <a:ext cx="1684991" cy="369332"/>
+            <a:off x="1566972" y="1576090"/>
+            <a:ext cx="1268964" cy="369332"/>
           </a:xfrm>
           <a:prstGeom prst="rect">
             <a:avLst/>
@@ -4105,21 +3726,18 @@
           <a:lstStyle/>
           <a:p>
             <a:r>
-              <a:rPr lang="en-CA" dirty="0">
-                <a:latin typeface="Arial" panose="020B0604020202020204" pitchFamily="34" charset="0"/>
-                <a:cs typeface="Arial" panose="020B0604020202020204" pitchFamily="34" charset="0"/>
-              </a:rPr>
-              <a:t>Bud dormancy</a:t>
-            </a:r>
-          </a:p>
-        </p:txBody>
-      </p:sp>
-      <p:sp>
-        <p:nvSpPr>
-          <p:cNvPr id="20" name="ZoneTexte 19">
-            <a:extLst>
-              <a:ext uri="{FF2B5EF4-FFF2-40B4-BE49-F238E27FC236}">
-                <a16:creationId xmlns:a16="http://schemas.microsoft.com/office/drawing/2014/main" id="{EA83E6BF-9CFA-4E7A-9629-D44959E5D4A0}"/>
+              <a:rPr lang="en-CA" dirty="0"/>
+              <a:t>L1</a:t>
+            </a:r>
+          </a:p>
+        </p:txBody>
+      </p:sp>
+      <p:sp>
+        <p:nvSpPr>
+          <p:cNvPr id="16" name="ZoneTexte 15">
+            <a:extLst>
+              <a:ext uri="{FF2B5EF4-FFF2-40B4-BE49-F238E27FC236}">
+                <a16:creationId xmlns:a16="http://schemas.microsoft.com/office/drawing/2014/main" id="{670EE76C-9967-4AE4-8034-065F65E9094B}"/>
               </a:ext>
             </a:extLst>
           </p:cNvPr>
@@ -4128,8 +3746,8 @@
         </p:nvSpPr>
         <p:spPr>
           <a:xfrm>
-            <a:off x="2087418" y="4821566"/>
-            <a:ext cx="1684991" cy="369332"/>
+            <a:off x="7477222" y="1575307"/>
+            <a:ext cx="896308" cy="369332"/>
           </a:xfrm>
           <a:prstGeom prst="rect">
             <a:avLst/>
@@ -4143,11 +3761,8 @@
           <a:lstStyle/>
           <a:p>
             <a:r>
-              <a:rPr lang="en-CA" dirty="0">
-                <a:latin typeface="Arial" panose="020B0604020202020204" pitchFamily="34" charset="0"/>
-                <a:cs typeface="Arial" panose="020B0604020202020204" pitchFamily="34" charset="0"/>
-              </a:rPr>
-              <a:t>Diapause</a:t>
+              <a:rPr lang="en-CA" dirty="0"/>
+              <a:t>L2 – L6</a:t>
             </a:r>
           </a:p>
         </p:txBody>
@@ -4157,7 +3772,7 @@
           <p:cNvPr id="21" name="ZoneTexte 20">
             <a:extLst>
               <a:ext uri="{FF2B5EF4-FFF2-40B4-BE49-F238E27FC236}">
-                <a16:creationId xmlns:a16="http://schemas.microsoft.com/office/drawing/2014/main" id="{B3330950-AA8A-440E-AD64-6A9C33EFD0A7}"/>
+                <a16:creationId xmlns:a16="http://schemas.microsoft.com/office/drawing/2014/main" id="{A02759D6-3AF0-4575-91D0-AD3281B808DB}"/>
               </a:ext>
             </a:extLst>
           </p:cNvPr>
@@ -4166,8 +3781,8 @@
         </p:nvSpPr>
         <p:spPr>
           <a:xfrm>
-            <a:off x="7488189" y="3346297"/>
-            <a:ext cx="1684991" cy="646331"/>
+            <a:off x="8628282" y="1576090"/>
+            <a:ext cx="795636" cy="369332"/>
           </a:xfrm>
           <a:prstGeom prst="rect">
             <a:avLst/>
@@ -4181,21 +3796,205 @@
           <a:lstStyle/>
           <a:p>
             <a:r>
+              <a:rPr lang="en-CA" dirty="0"/>
+              <a:t>pupae</a:t>
+            </a:r>
+          </a:p>
+        </p:txBody>
+      </p:sp>
+      <p:sp>
+        <p:nvSpPr>
+          <p:cNvPr id="22" name="ZoneTexte 21">
+            <a:extLst>
+              <a:ext uri="{FF2B5EF4-FFF2-40B4-BE49-F238E27FC236}">
+                <a16:creationId xmlns:a16="http://schemas.microsoft.com/office/drawing/2014/main" id="{C21BFEDA-3432-4CC9-ABAA-8A835040142E}"/>
+              </a:ext>
+            </a:extLst>
+          </p:cNvPr>
+          <p:cNvSpPr txBox="1"/>
+          <p:nvPr/>
+        </p:nvSpPr>
+        <p:spPr>
+          <a:xfrm>
+            <a:off x="9445129" y="1576090"/>
+            <a:ext cx="795636" cy="369332"/>
+          </a:xfrm>
+          <a:prstGeom prst="rect">
+            <a:avLst/>
+          </a:prstGeom>
+          <a:noFill/>
+        </p:spPr>
+        <p:txBody>
+          <a:bodyPr wrap="square" rtlCol="0">
+            <a:spAutoFit/>
+          </a:bodyPr>
+          <a:lstStyle/>
+          <a:p>
+            <a:r>
+              <a:rPr lang="en-CA" dirty="0"/>
+              <a:t>adult</a:t>
+            </a:r>
+          </a:p>
+        </p:txBody>
+      </p:sp>
+      <p:sp>
+        <p:nvSpPr>
+          <p:cNvPr id="23" name="ZoneTexte 22">
+            <a:extLst>
+              <a:ext uri="{FF2B5EF4-FFF2-40B4-BE49-F238E27FC236}">
+                <a16:creationId xmlns:a16="http://schemas.microsoft.com/office/drawing/2014/main" id="{3726F193-18B0-465A-B07A-A8E0CBCF8A09}"/>
+              </a:ext>
+            </a:extLst>
+          </p:cNvPr>
+          <p:cNvSpPr txBox="1"/>
+          <p:nvPr/>
+        </p:nvSpPr>
+        <p:spPr>
+          <a:xfrm>
+            <a:off x="2544148" y="1575307"/>
+            <a:ext cx="1671322" cy="369332"/>
+          </a:xfrm>
+          <a:prstGeom prst="rect">
+            <a:avLst/>
+          </a:prstGeom>
+          <a:noFill/>
+        </p:spPr>
+        <p:txBody>
+          <a:bodyPr wrap="square" rtlCol="0">
+            <a:spAutoFit/>
+          </a:bodyPr>
+          <a:lstStyle/>
+          <a:p>
+            <a:r>
+              <a:rPr lang="en-CA" dirty="0"/>
+              <a:t>diapause (L2o)</a:t>
+            </a:r>
+          </a:p>
+        </p:txBody>
+      </p:sp>
+      <p:sp>
+        <p:nvSpPr>
+          <p:cNvPr id="24" name="ZoneTexte 23">
+            <a:extLst>
+              <a:ext uri="{FF2B5EF4-FFF2-40B4-BE49-F238E27FC236}">
+                <a16:creationId xmlns:a16="http://schemas.microsoft.com/office/drawing/2014/main" id="{CB7D7752-04D2-4A27-A6DC-894733FC281A}"/>
+              </a:ext>
+            </a:extLst>
+          </p:cNvPr>
+          <p:cNvSpPr txBox="1"/>
+          <p:nvPr/>
+        </p:nvSpPr>
+        <p:spPr>
+          <a:xfrm>
+            <a:off x="7104566" y="3944037"/>
+            <a:ext cx="1268964" cy="369332"/>
+          </a:xfrm>
+          <a:prstGeom prst="rect">
+            <a:avLst/>
+          </a:prstGeom>
+          <a:noFill/>
+        </p:spPr>
+        <p:txBody>
+          <a:bodyPr wrap="square" rtlCol="0">
+            <a:spAutoFit/>
+          </a:bodyPr>
+          <a:lstStyle/>
+          <a:p>
+            <a:r>
               <a:rPr lang="en-CA" dirty="0">
-                <a:latin typeface="Arial" panose="020B0604020202020204" pitchFamily="34" charset="0"/>
-                <a:cs typeface="Arial" panose="020B0604020202020204" pitchFamily="34" charset="0"/>
+                <a:solidFill>
+                  <a:schemeClr val="bg2">
+                    <a:lumMod val="25000"/>
+                  </a:schemeClr>
+                </a:solidFill>
               </a:rPr>
-              <a:t>Buds entering dormancy</a:t>
+              <a:t>budburst</a:t>
+            </a:r>
+          </a:p>
+        </p:txBody>
+      </p:sp>
+      <p:sp>
+        <p:nvSpPr>
+          <p:cNvPr id="25" name="ZoneTexte 24">
+            <a:extLst>
+              <a:ext uri="{FF2B5EF4-FFF2-40B4-BE49-F238E27FC236}">
+                <a16:creationId xmlns:a16="http://schemas.microsoft.com/office/drawing/2014/main" id="{B227BC33-CD44-47DB-848E-EC15569AFE8D}"/>
+              </a:ext>
+            </a:extLst>
+          </p:cNvPr>
+          <p:cNvSpPr txBox="1"/>
+          <p:nvPr/>
+        </p:nvSpPr>
+        <p:spPr>
+          <a:xfrm>
+            <a:off x="2835936" y="3944037"/>
+            <a:ext cx="1268964" cy="369332"/>
+          </a:xfrm>
+          <a:prstGeom prst="rect">
+            <a:avLst/>
+          </a:prstGeom>
+          <a:noFill/>
+        </p:spPr>
+        <p:txBody>
+          <a:bodyPr wrap="square" rtlCol="0">
+            <a:spAutoFit/>
+          </a:bodyPr>
+          <a:lstStyle/>
+          <a:p>
+            <a:r>
+              <a:rPr lang="en-CA" dirty="0">
+                <a:solidFill>
+                  <a:schemeClr val="bg2">
+                    <a:lumMod val="25000"/>
+                  </a:schemeClr>
+                </a:solidFill>
+              </a:rPr>
+              <a:t>dormancy</a:t>
+            </a:r>
+          </a:p>
+        </p:txBody>
+      </p:sp>
+      <p:sp>
+        <p:nvSpPr>
+          <p:cNvPr id="26" name="ZoneTexte 25">
+            <a:extLst>
+              <a:ext uri="{FF2B5EF4-FFF2-40B4-BE49-F238E27FC236}">
+                <a16:creationId xmlns:a16="http://schemas.microsoft.com/office/drawing/2014/main" id="{B350C59F-9E6B-4E04-B8BB-8666B146ECB3}"/>
+              </a:ext>
+            </a:extLst>
+          </p:cNvPr>
+          <p:cNvSpPr txBox="1"/>
+          <p:nvPr/>
+        </p:nvSpPr>
+        <p:spPr>
+          <a:xfrm>
+            <a:off x="6075343" y="1575307"/>
+            <a:ext cx="1671322" cy="369332"/>
+          </a:xfrm>
+          <a:prstGeom prst="rect">
+            <a:avLst/>
+          </a:prstGeom>
+          <a:noFill/>
+        </p:spPr>
+        <p:txBody>
+          <a:bodyPr wrap="square" rtlCol="0">
+            <a:spAutoFit/>
+          </a:bodyPr>
+          <a:lstStyle/>
+          <a:p>
+            <a:r>
+              <a:rPr lang="en-CA" dirty="0"/>
+              <a:t>emergence </a:t>
             </a:r>
           </a:p>
         </p:txBody>
       </p:sp>
       <p:cxnSp>
         <p:nvCxnSpPr>
-          <p:cNvPr id="23" name="Connecteur droit avec flèche 22">
-            <a:extLst>
-              <a:ext uri="{FF2B5EF4-FFF2-40B4-BE49-F238E27FC236}">
-                <a16:creationId xmlns:a16="http://schemas.microsoft.com/office/drawing/2014/main" id="{7472D3B2-1DBF-4CD3-B94E-52FD40ECFD7E}"/>
+          <p:cNvPr id="28" name="Connecteur droit 27">
+            <a:extLst>
+              <a:ext uri="{FF2B5EF4-FFF2-40B4-BE49-F238E27FC236}">
+                <a16:creationId xmlns:a16="http://schemas.microsoft.com/office/drawing/2014/main" id="{EEF106D3-3BDB-495D-9937-40AF8A19FB10}"/>
               </a:ext>
             </a:extLst>
           </p:cNvPr>
@@ -4206,16 +4005,105 @@
         </p:nvCxnSpPr>
         <p:spPr>
           <a:xfrm>
-            <a:off x="5523344" y="1606929"/>
-            <a:ext cx="990599" cy="0"/>
+            <a:off x="6543870" y="2138021"/>
+            <a:ext cx="0" cy="969073"/>
+          </a:xfrm>
+          <a:prstGeom prst="line">
+            <a:avLst/>
+          </a:prstGeom>
+          <a:ln w="25400">
+            <a:solidFill>
+              <a:schemeClr val="tx1"/>
+            </a:solidFill>
+            <a:prstDash val="lgDash"/>
+          </a:ln>
+        </p:spPr>
+        <p:style>
+          <a:lnRef idx="1">
+            <a:schemeClr val="accent1"/>
+          </a:lnRef>
+          <a:fillRef idx="0">
+            <a:schemeClr val="accent1"/>
+          </a:fillRef>
+          <a:effectRef idx="0">
+            <a:schemeClr val="accent1"/>
+          </a:effectRef>
+          <a:fontRef idx="minor">
+            <a:schemeClr val="tx1"/>
+          </a:fontRef>
+        </p:style>
+      </p:cxnSp>
+      <p:cxnSp>
+        <p:nvCxnSpPr>
+          <p:cNvPr id="29" name="Connecteur droit 28">
+            <a:extLst>
+              <a:ext uri="{FF2B5EF4-FFF2-40B4-BE49-F238E27FC236}">
+                <a16:creationId xmlns:a16="http://schemas.microsoft.com/office/drawing/2014/main" id="{447B2D47-3D47-4A2C-989B-3F7B09ECEF22}"/>
+              </a:ext>
+            </a:extLst>
+          </p:cNvPr>
+          <p:cNvCxnSpPr>
+            <a:cxnSpLocks/>
+          </p:cNvCxnSpPr>
+          <p:nvPr/>
+        </p:nvCxnSpPr>
+        <p:spPr>
+          <a:xfrm>
+            <a:off x="7629331" y="2931123"/>
+            <a:ext cx="0" cy="793104"/>
+          </a:xfrm>
+          <a:prstGeom prst="line">
+            <a:avLst/>
+          </a:prstGeom>
+          <a:ln w="25400">
+            <a:solidFill>
+              <a:schemeClr val="tx1"/>
+            </a:solidFill>
+            <a:prstDash val="lgDash"/>
+          </a:ln>
+        </p:spPr>
+        <p:style>
+          <a:lnRef idx="1">
+            <a:schemeClr val="accent1"/>
+          </a:lnRef>
+          <a:fillRef idx="0">
+            <a:schemeClr val="accent1"/>
+          </a:fillRef>
+          <a:effectRef idx="0">
+            <a:schemeClr val="accent1"/>
+          </a:effectRef>
+          <a:fontRef idx="minor">
+            <a:schemeClr val="tx1"/>
+          </a:fontRef>
+        </p:style>
+      </p:cxnSp>
+      <p:cxnSp>
+        <p:nvCxnSpPr>
+          <p:cNvPr id="31" name="Connecteur droit avec flèche 30">
+            <a:extLst>
+              <a:ext uri="{FF2B5EF4-FFF2-40B4-BE49-F238E27FC236}">
+                <a16:creationId xmlns:a16="http://schemas.microsoft.com/office/drawing/2014/main" id="{74A76F29-B43E-466A-81C9-2059FF6C0FF3}"/>
+              </a:ext>
+            </a:extLst>
+          </p:cNvPr>
+          <p:cNvCxnSpPr>
+            <a:cxnSpLocks/>
+          </p:cNvCxnSpPr>
+          <p:nvPr/>
+        </p:nvCxnSpPr>
+        <p:spPr>
+          <a:xfrm>
+            <a:off x="6543870" y="3023118"/>
+            <a:ext cx="1085461" cy="0"/>
           </a:xfrm>
           <a:prstGeom prst="straightConnector1">
             <a:avLst/>
           </a:prstGeom>
-          <a:ln w="44450">
+          <a:ln w="28575">
             <a:solidFill>
               <a:schemeClr val="tx1"/>
             </a:solidFill>
+            <a:prstDash val="lgDash"/>
             <a:headEnd type="triangle"/>
             <a:tailEnd type="triangle"/>
           </a:ln>
@@ -4237,10 +4125,10 @@
       </p:cxnSp>
       <p:sp>
         <p:nvSpPr>
-          <p:cNvPr id="26" name="ZoneTexte 25">
-            <a:extLst>
-              <a:ext uri="{FF2B5EF4-FFF2-40B4-BE49-F238E27FC236}">
-                <a16:creationId xmlns:a16="http://schemas.microsoft.com/office/drawing/2014/main" id="{FA72A540-5830-4FA0-9B19-470CC655436D}"/>
+          <p:cNvPr id="32" name="ZoneTexte 31">
+            <a:extLst>
+              <a:ext uri="{FF2B5EF4-FFF2-40B4-BE49-F238E27FC236}">
+                <a16:creationId xmlns:a16="http://schemas.microsoft.com/office/drawing/2014/main" id="{2214C909-9B86-49F3-99A2-74AE8DF06BB4}"/>
               </a:ext>
             </a:extLst>
           </p:cNvPr>
@@ -4249,8 +4137,8 @@
         </p:nvSpPr>
         <p:spPr>
           <a:xfrm>
-            <a:off x="6500410" y="1447304"/>
-            <a:ext cx="1684991" cy="369332"/>
+            <a:off x="6543870" y="2446949"/>
+            <a:ext cx="1671322" cy="369332"/>
           </a:xfrm>
           <a:prstGeom prst="rect">
             <a:avLst/>
@@ -4264,225 +4152,8 @@
           <a:lstStyle/>
           <a:p>
             <a:r>
-              <a:rPr lang="en-CA" dirty="0">
-                <a:latin typeface="Arial" panose="020B0604020202020204" pitchFamily="34" charset="0"/>
-                <a:cs typeface="Arial" panose="020B0604020202020204" pitchFamily="34" charset="0"/>
-              </a:rPr>
-              <a:t>Mismatch</a:t>
-            </a:r>
-          </a:p>
-        </p:txBody>
-      </p:sp>
-      <p:sp>
-        <p:nvSpPr>
-          <p:cNvPr id="27" name="ZoneTexte 26">
-            <a:extLst>
-              <a:ext uri="{FF2B5EF4-FFF2-40B4-BE49-F238E27FC236}">
-                <a16:creationId xmlns:a16="http://schemas.microsoft.com/office/drawing/2014/main" id="{91146F77-3A37-4329-98F6-930E41FA97CB}"/>
-              </a:ext>
-            </a:extLst>
-          </p:cNvPr>
-          <p:cNvSpPr txBox="1"/>
-          <p:nvPr/>
-        </p:nvSpPr>
-        <p:spPr>
-          <a:xfrm>
-            <a:off x="7488189" y="941491"/>
-            <a:ext cx="1487054" cy="369332"/>
-          </a:xfrm>
-          <a:prstGeom prst="rect">
-            <a:avLst/>
-          </a:prstGeom>
-          <a:noFill/>
-        </p:spPr>
-        <p:txBody>
-          <a:bodyPr wrap="square" rtlCol="0">
-            <a:spAutoFit/>
-          </a:bodyPr>
-          <a:lstStyle/>
-          <a:p>
-            <a:r>
-              <a:rPr lang="en-CA" dirty="0">
-                <a:latin typeface="Arial" panose="020B0604020202020204" pitchFamily="34" charset="0"/>
-                <a:cs typeface="Arial" panose="020B0604020202020204" pitchFamily="34" charset="0"/>
-              </a:rPr>
-              <a:t>L</a:t>
-            </a:r>
-            <a:r>
-              <a:rPr lang="en-CA" baseline="-25000" dirty="0">
-                <a:latin typeface="Arial" panose="020B0604020202020204" pitchFamily="34" charset="0"/>
-                <a:cs typeface="Arial" panose="020B0604020202020204" pitchFamily="34" charset="0"/>
-              </a:rPr>
-              <a:t>3</a:t>
-            </a:r>
-            <a:r>
-              <a:rPr lang="en-CA" dirty="0">
-                <a:latin typeface="Arial" panose="020B0604020202020204" pitchFamily="34" charset="0"/>
-                <a:cs typeface="Arial" panose="020B0604020202020204" pitchFamily="34" charset="0"/>
-              </a:rPr>
-              <a:t> – L</a:t>
-            </a:r>
-            <a:r>
-              <a:rPr lang="en-CA" baseline="-25000" dirty="0">
-                <a:latin typeface="Arial" panose="020B0604020202020204" pitchFamily="34" charset="0"/>
-                <a:cs typeface="Arial" panose="020B0604020202020204" pitchFamily="34" charset="0"/>
-              </a:rPr>
-              <a:t>6</a:t>
-            </a:r>
-          </a:p>
-        </p:txBody>
-      </p:sp>
-      <p:sp>
-        <p:nvSpPr>
-          <p:cNvPr id="28" name="Rectangle 27">
-            <a:extLst>
-              <a:ext uri="{FF2B5EF4-FFF2-40B4-BE49-F238E27FC236}">
-                <a16:creationId xmlns:a16="http://schemas.microsoft.com/office/drawing/2014/main" id="{18DF8516-185A-47C2-9B8E-7CE8FEE8E4AA}"/>
-              </a:ext>
-            </a:extLst>
-          </p:cNvPr>
-          <p:cNvSpPr/>
-          <p:nvPr/>
-        </p:nvSpPr>
-        <p:spPr>
-          <a:xfrm rot="6119690">
-            <a:off x="7019739" y="2208054"/>
-            <a:ext cx="461819" cy="106217"/>
-          </a:xfrm>
-          <a:prstGeom prst="rect">
-            <a:avLst/>
-          </a:prstGeom>
-          <a:solidFill>
-            <a:schemeClr val="bg2">
-              <a:lumMod val="75000"/>
-            </a:schemeClr>
-          </a:solidFill>
-          <a:ln>
-            <a:solidFill>
-              <a:schemeClr val="bg2">
-                <a:lumMod val="75000"/>
-              </a:schemeClr>
-            </a:solidFill>
-          </a:ln>
-        </p:spPr>
-        <p:style>
-          <a:lnRef idx="2">
-            <a:schemeClr val="accent1">
-              <a:shade val="50000"/>
-            </a:schemeClr>
-          </a:lnRef>
-          <a:fillRef idx="1">
-            <a:schemeClr val="accent1"/>
-          </a:fillRef>
-          <a:effectRef idx="0">
-            <a:schemeClr val="accent1"/>
-          </a:effectRef>
-          <a:fontRef idx="minor">
-            <a:schemeClr val="lt1"/>
-          </a:fontRef>
-        </p:style>
-        <p:txBody>
-          <a:bodyPr rtlCol="0" anchor="ctr"/>
-          <a:lstStyle/>
-          <a:p>
-            <a:pPr algn="ctr"/>
-            <a:endParaRPr lang="en-CA"/>
-          </a:p>
-        </p:txBody>
-      </p:sp>
-      <p:sp>
-        <p:nvSpPr>
-          <p:cNvPr id="29" name="ZoneTexte 28">
-            <a:extLst>
-              <a:ext uri="{FF2B5EF4-FFF2-40B4-BE49-F238E27FC236}">
-                <a16:creationId xmlns:a16="http://schemas.microsoft.com/office/drawing/2014/main" id="{1DEBC7BF-12F5-46B7-BFDC-E5E68FFB8E0B}"/>
-              </a:ext>
-            </a:extLst>
-          </p:cNvPr>
-          <p:cNvSpPr txBox="1"/>
-          <p:nvPr/>
-        </p:nvSpPr>
-        <p:spPr>
-          <a:xfrm>
-            <a:off x="7022564" y="2447655"/>
-            <a:ext cx="1117601" cy="646331"/>
-          </a:xfrm>
-          <a:prstGeom prst="rect">
-            <a:avLst/>
-          </a:prstGeom>
-          <a:noFill/>
-        </p:spPr>
-        <p:txBody>
-          <a:bodyPr wrap="square" rtlCol="0">
-            <a:spAutoFit/>
-          </a:bodyPr>
-          <a:lstStyle/>
-          <a:p>
-            <a:r>
-              <a:rPr lang="en-CA" dirty="0">
-                <a:latin typeface="Arial" panose="020B0604020202020204" pitchFamily="34" charset="0"/>
-                <a:cs typeface="Arial" panose="020B0604020202020204" pitchFamily="34" charset="0"/>
-              </a:rPr>
-              <a:t>Needles aging</a:t>
-            </a:r>
-          </a:p>
-        </p:txBody>
-      </p:sp>
-      <p:sp>
-        <p:nvSpPr>
-          <p:cNvPr id="30" name="ZoneTexte 29">
-            <a:extLst>
-              <a:ext uri="{FF2B5EF4-FFF2-40B4-BE49-F238E27FC236}">
-                <a16:creationId xmlns:a16="http://schemas.microsoft.com/office/drawing/2014/main" id="{050BF633-4FD9-42D8-99ED-5A83972D036D}"/>
-              </a:ext>
-            </a:extLst>
-          </p:cNvPr>
-          <p:cNvSpPr txBox="1"/>
-          <p:nvPr/>
-        </p:nvSpPr>
-        <p:spPr>
-          <a:xfrm>
-            <a:off x="9758218" y="4541349"/>
-            <a:ext cx="1487054" cy="369332"/>
-          </a:xfrm>
-          <a:prstGeom prst="rect">
-            <a:avLst/>
-          </a:prstGeom>
-          <a:noFill/>
-        </p:spPr>
-        <p:txBody>
-          <a:bodyPr wrap="square" rtlCol="0">
-            <a:spAutoFit/>
-          </a:bodyPr>
-          <a:lstStyle/>
-          <a:p>
-            <a:r>
-              <a:rPr lang="en-CA" dirty="0">
-                <a:latin typeface="Arial" panose="020B0604020202020204" pitchFamily="34" charset="0"/>
-                <a:cs typeface="Arial" panose="020B0604020202020204" pitchFamily="34" charset="0"/>
-              </a:rPr>
-              <a:t>L</a:t>
-            </a:r>
-            <a:r>
-              <a:rPr lang="en-CA" baseline="-25000" dirty="0">
-                <a:latin typeface="Arial" panose="020B0604020202020204" pitchFamily="34" charset="0"/>
-                <a:cs typeface="Arial" panose="020B0604020202020204" pitchFamily="34" charset="0"/>
-              </a:rPr>
-              <a:t>1</a:t>
-            </a:r>
-            <a:r>
-              <a:rPr lang="en-CA" dirty="0">
-                <a:latin typeface="Arial" panose="020B0604020202020204" pitchFamily="34" charset="0"/>
-                <a:cs typeface="Arial" panose="020B0604020202020204" pitchFamily="34" charset="0"/>
-              </a:rPr>
-              <a:t> – L</a:t>
-            </a:r>
-            <a:r>
-              <a:rPr lang="en-CA" baseline="-25000" dirty="0">
-                <a:latin typeface="Arial" panose="020B0604020202020204" pitchFamily="34" charset="0"/>
-                <a:cs typeface="Arial" panose="020B0604020202020204" pitchFamily="34" charset="0"/>
-              </a:rPr>
-              <a:t>2</a:t>
+              <a:rPr lang="en-CA" dirty="0"/>
+              <a:t>mismatch </a:t>
             </a:r>
           </a:p>
         </p:txBody>
@@ -4490,7 +4161,7 @@
     </p:spTree>
     <p:extLst>
       <p:ext uri="{BB962C8B-B14F-4D97-AF65-F5344CB8AC3E}">
-        <p14:creationId xmlns:p14="http://schemas.microsoft.com/office/powerpoint/2010/main" val="1859578453"/>
+        <p14:creationId xmlns:p14="http://schemas.microsoft.com/office/powerpoint/2010/main" val="1569802361"/>
       </p:ext>
     </p:extLst>
   </p:cSld>
